--- a/eece2160/sum16/lectures/eece.2160sum16_lec2.pptx
+++ b/eece2160/sum16/lectures/eece.2160sum16_lec2.pptx
@@ -566,7 +566,7 @@
             <a:tailEnd/>
           </a:ln>
           <a:extLst>
-            <a:ext uri="{909E8E84-426E-40dd-AFC4-6F175D3DCCD1}">
+            <a:ext uri="{909E8E84-426E-40DD-AFC4-6F175D3DCCD1}">
               <a14:hiddenFill xmlns:a14="http://schemas.microsoft.com/office/drawing/2010/main">
                 <a:solidFill>
                   <a:srgbClr val="FFFFFF"/>
@@ -574,7 +574,7 @@
               </a14:hiddenFill>
             </a:ext>
             <a:ext uri="{FAA26D3D-D897-4be2-8F04-BA451C77F1D7}">
-              <ma14:placeholderFlag xmlns:ma14="http://schemas.microsoft.com/office/mac/drawingml/2011/main" val="1"/>
+              <ma14:placeholderFlag xmlns:ma14="http://schemas.microsoft.com/office/mac/drawingml/2011/main" xmlns="" val="1"/>
             </a:ext>
           </a:extLst>
         </p:spPr>
@@ -913,14 +913,14 @@
           <a:noFill/>
           <a:ln/>
           <a:extLst>
-            <a:ext uri="{909E8E84-426E-40dd-AFC4-6F175D3DCCD1}">
+            <a:ext uri="{909E8E84-426E-40DD-AFC4-6F175D3DCCD1}">
               <a14:hiddenFill xmlns:a14="http://schemas.microsoft.com/office/drawing/2010/main">
                 <a:solidFill>
                   <a:srgbClr val="FFFFFF"/>
                 </a:solidFill>
               </a14:hiddenFill>
             </a:ext>
-            <a:ext uri="{91240B29-F687-4f45-9708-019B960494DF}">
+            <a:ext uri="{91240B29-F687-4F45-9708-019B960494DF}">
               <a14:hiddenLine xmlns:a14="http://schemas.microsoft.com/office/drawing/2010/main" w="9525">
                 <a:solidFill>
                   <a:srgbClr val="000000"/>
@@ -1088,14 +1088,14 @@
           <a:noFill/>
           <a:ln/>
           <a:extLst>
-            <a:ext uri="{909E8E84-426E-40dd-AFC4-6F175D3DCCD1}">
+            <a:ext uri="{909E8E84-426E-40DD-AFC4-6F175D3DCCD1}">
               <a14:hiddenFill xmlns:a14="http://schemas.microsoft.com/office/drawing/2010/main">
                 <a:solidFill>
                   <a:srgbClr val="FFFFFF"/>
                 </a:solidFill>
               </a14:hiddenFill>
             </a:ext>
-            <a:ext uri="{91240B29-F687-4f45-9708-019B960494DF}">
+            <a:ext uri="{91240B29-F687-4F45-9708-019B960494DF}">
               <a14:hiddenLine xmlns:a14="http://schemas.microsoft.com/office/drawing/2010/main" w="9525">
                 <a:solidFill>
                   <a:srgbClr val="000000"/>
@@ -1106,7 +1106,7 @@
               </a14:hiddenLine>
             </a:ext>
             <a:ext uri="{FAA26D3D-D897-4be2-8F04-BA451C77F1D7}">
-              <ma14:placeholderFlag xmlns:ma14="http://schemas.microsoft.com/office/mac/drawingml/2011/main" val="1"/>
+              <ma14:placeholderFlag xmlns:ma14="http://schemas.microsoft.com/office/mac/drawingml/2011/main" xmlns="" val="1"/>
             </a:ext>
           </a:extLst>
         </p:spPr>
@@ -1158,14 +1158,14 @@
           <a:noFill/>
           <a:ln/>
           <a:extLst>
-            <a:ext uri="{909E8E84-426E-40dd-AFC4-6F175D3DCCD1}">
+            <a:ext uri="{909E8E84-426E-40DD-AFC4-6F175D3DCCD1}">
               <a14:hiddenFill xmlns:a14="http://schemas.microsoft.com/office/drawing/2010/main">
                 <a:solidFill>
                   <a:srgbClr val="FFFFFF"/>
                 </a:solidFill>
               </a14:hiddenFill>
             </a:ext>
-            <a:ext uri="{91240B29-F687-4f45-9708-019B960494DF}">
+            <a:ext uri="{91240B29-F687-4F45-9708-019B960494DF}">
               <a14:hiddenLine xmlns:a14="http://schemas.microsoft.com/office/drawing/2010/main" w="9525">
                 <a:solidFill>
                   <a:srgbClr val="000000"/>
@@ -1334,14 +1334,14 @@
           <a:noFill/>
           <a:ln/>
           <a:extLst>
-            <a:ext uri="{909E8E84-426E-40dd-AFC4-6F175D3DCCD1}">
+            <a:ext uri="{909E8E84-426E-40DD-AFC4-6F175D3DCCD1}">
               <a14:hiddenFill xmlns:a14="http://schemas.microsoft.com/office/drawing/2010/main">
                 <a:solidFill>
                   <a:srgbClr val="FFFFFF"/>
                 </a:solidFill>
               </a14:hiddenFill>
             </a:ext>
-            <a:ext uri="{91240B29-F687-4f45-9708-019B960494DF}">
+            <a:ext uri="{91240B29-F687-4F45-9708-019B960494DF}">
               <a14:hiddenLine xmlns:a14="http://schemas.microsoft.com/office/drawing/2010/main" w="9525">
                 <a:solidFill>
                   <a:srgbClr val="000000"/>
@@ -1352,7 +1352,7 @@
               </a14:hiddenLine>
             </a:ext>
             <a:ext uri="{FAA26D3D-D897-4be2-8F04-BA451C77F1D7}">
-              <ma14:placeholderFlag xmlns:ma14="http://schemas.microsoft.com/office/mac/drawingml/2011/main" val="1"/>
+              <ma14:placeholderFlag xmlns:ma14="http://schemas.microsoft.com/office/mac/drawingml/2011/main" xmlns="" val="1"/>
             </a:ext>
           </a:extLst>
         </p:spPr>
@@ -1404,14 +1404,14 @@
           <a:noFill/>
           <a:ln/>
           <a:extLst>
-            <a:ext uri="{909E8E84-426E-40dd-AFC4-6F175D3DCCD1}">
+            <a:ext uri="{909E8E84-426E-40DD-AFC4-6F175D3DCCD1}">
               <a14:hiddenFill xmlns:a14="http://schemas.microsoft.com/office/drawing/2010/main">
                 <a:solidFill>
                   <a:srgbClr val="FFFFFF"/>
                 </a:solidFill>
               </a14:hiddenFill>
             </a:ext>
-            <a:ext uri="{91240B29-F687-4f45-9708-019B960494DF}">
+            <a:ext uri="{91240B29-F687-4F45-9708-019B960494DF}">
               <a14:hiddenLine xmlns:a14="http://schemas.microsoft.com/office/drawing/2010/main" w="9525">
                 <a:solidFill>
                   <a:srgbClr val="000000"/>
@@ -1579,14 +1579,14 @@
           <a:noFill/>
           <a:ln/>
           <a:extLst>
-            <a:ext uri="{909E8E84-426E-40dd-AFC4-6F175D3DCCD1}">
+            <a:ext uri="{909E8E84-426E-40DD-AFC4-6F175D3DCCD1}">
               <a14:hiddenFill xmlns:a14="http://schemas.microsoft.com/office/drawing/2010/main">
                 <a:solidFill>
                   <a:srgbClr val="FFFFFF"/>
                 </a:solidFill>
               </a14:hiddenFill>
             </a:ext>
-            <a:ext uri="{91240B29-F687-4f45-9708-019B960494DF}">
+            <a:ext uri="{91240B29-F687-4F45-9708-019B960494DF}">
               <a14:hiddenLine xmlns:a14="http://schemas.microsoft.com/office/drawing/2010/main" w="9525">
                 <a:solidFill>
                   <a:srgbClr val="000000"/>
@@ -1597,7 +1597,7 @@
               </a14:hiddenLine>
             </a:ext>
             <a:ext uri="{FAA26D3D-D897-4be2-8F04-BA451C77F1D7}">
-              <ma14:placeholderFlag xmlns:ma14="http://schemas.microsoft.com/office/mac/drawingml/2011/main" val="1"/>
+              <ma14:placeholderFlag xmlns:ma14="http://schemas.microsoft.com/office/mac/drawingml/2011/main" xmlns="" val="1"/>
             </a:ext>
           </a:extLst>
         </p:spPr>
@@ -1649,14 +1649,14 @@
           <a:noFill/>
           <a:ln/>
           <a:extLst>
-            <a:ext uri="{909E8E84-426E-40dd-AFC4-6F175D3DCCD1}">
+            <a:ext uri="{909E8E84-426E-40DD-AFC4-6F175D3DCCD1}">
               <a14:hiddenFill xmlns:a14="http://schemas.microsoft.com/office/drawing/2010/main">
                 <a:solidFill>
                   <a:srgbClr val="FFFFFF"/>
                 </a:solidFill>
               </a14:hiddenFill>
             </a:ext>
-            <a:ext uri="{91240B29-F687-4f45-9708-019B960494DF}">
+            <a:ext uri="{91240B29-F687-4F45-9708-019B960494DF}">
               <a14:hiddenLine xmlns:a14="http://schemas.microsoft.com/office/drawing/2010/main" w="9525">
                 <a:solidFill>
                   <a:srgbClr val="000000"/>
@@ -1808,14 +1808,14 @@
           <a:noFill/>
           <a:ln/>
           <a:extLst>
-            <a:ext uri="{909E8E84-426E-40dd-AFC4-6F175D3DCCD1}">
+            <a:ext uri="{909E8E84-426E-40DD-AFC4-6F175D3DCCD1}">
               <a14:hiddenFill xmlns:a14="http://schemas.microsoft.com/office/drawing/2010/main">
                 <a:solidFill>
                   <a:srgbClr val="FFFFFF"/>
                 </a:solidFill>
               </a14:hiddenFill>
             </a:ext>
-            <a:ext uri="{91240B29-F687-4f45-9708-019B960494DF}">
+            <a:ext uri="{91240B29-F687-4F45-9708-019B960494DF}">
               <a14:hiddenLine xmlns:a14="http://schemas.microsoft.com/office/drawing/2010/main" w="9525">
                 <a:solidFill>
                   <a:srgbClr val="000000"/>
@@ -1967,14 +1967,14 @@
           <a:noFill/>
           <a:ln/>
           <a:extLst>
-            <a:ext uri="{909E8E84-426E-40dd-AFC4-6F175D3DCCD1}">
+            <a:ext uri="{909E8E84-426E-40DD-AFC4-6F175D3DCCD1}">
               <a14:hiddenFill xmlns:a14="http://schemas.microsoft.com/office/drawing/2010/main">
                 <a:solidFill>
                   <a:srgbClr val="FFFFFF"/>
                 </a:solidFill>
               </a14:hiddenFill>
             </a:ext>
-            <a:ext uri="{91240B29-F687-4f45-9708-019B960494DF}">
+            <a:ext uri="{91240B29-F687-4F45-9708-019B960494DF}">
               <a14:hiddenLine xmlns:a14="http://schemas.microsoft.com/office/drawing/2010/main" w="9525">
                 <a:solidFill>
                   <a:srgbClr val="000000"/>
@@ -2126,14 +2126,14 @@
           <a:noFill/>
           <a:ln/>
           <a:extLst>
-            <a:ext uri="{909E8E84-426E-40dd-AFC4-6F175D3DCCD1}">
+            <a:ext uri="{909E8E84-426E-40DD-AFC4-6F175D3DCCD1}">
               <a14:hiddenFill xmlns:a14="http://schemas.microsoft.com/office/drawing/2010/main">
                 <a:solidFill>
                   <a:srgbClr val="FFFFFF"/>
                 </a:solidFill>
               </a14:hiddenFill>
             </a:ext>
-            <a:ext uri="{91240B29-F687-4f45-9708-019B960494DF}">
+            <a:ext uri="{91240B29-F687-4F45-9708-019B960494DF}">
               <a14:hiddenLine xmlns:a14="http://schemas.microsoft.com/office/drawing/2010/main" w="9525">
                 <a:solidFill>
                   <a:srgbClr val="000000"/>
@@ -2301,14 +2301,14 @@
           <a:noFill/>
           <a:ln/>
           <a:extLst>
-            <a:ext uri="{909E8E84-426E-40dd-AFC4-6F175D3DCCD1}">
+            <a:ext uri="{909E8E84-426E-40DD-AFC4-6F175D3DCCD1}">
               <a14:hiddenFill xmlns:a14="http://schemas.microsoft.com/office/drawing/2010/main">
                 <a:solidFill>
                   <a:srgbClr val="FFFFFF"/>
                 </a:solidFill>
               </a14:hiddenFill>
             </a:ext>
-            <a:ext uri="{91240B29-F687-4f45-9708-019B960494DF}">
+            <a:ext uri="{91240B29-F687-4F45-9708-019B960494DF}">
               <a14:hiddenLine xmlns:a14="http://schemas.microsoft.com/office/drawing/2010/main" w="9525">
                 <a:solidFill>
                   <a:srgbClr val="000000"/>
@@ -2319,7 +2319,7 @@
               </a14:hiddenLine>
             </a:ext>
             <a:ext uri="{FAA26D3D-D897-4be2-8F04-BA451C77F1D7}">
-              <ma14:placeholderFlag xmlns:ma14="http://schemas.microsoft.com/office/mac/drawingml/2011/main" val="1"/>
+              <ma14:placeholderFlag xmlns:ma14="http://schemas.microsoft.com/office/mac/drawingml/2011/main" xmlns="" val="1"/>
             </a:ext>
           </a:extLst>
         </p:spPr>
@@ -2370,14 +2370,14 @@
           <a:noFill/>
           <a:ln/>
           <a:extLst>
-            <a:ext uri="{909E8E84-426E-40dd-AFC4-6F175D3DCCD1}">
+            <a:ext uri="{909E8E84-426E-40DD-AFC4-6F175D3DCCD1}">
               <a14:hiddenFill xmlns:a14="http://schemas.microsoft.com/office/drawing/2010/main">
                 <a:solidFill>
                   <a:srgbClr val="FFFFFF"/>
                 </a:solidFill>
               </a14:hiddenFill>
             </a:ext>
-            <a:ext uri="{91240B29-F687-4f45-9708-019B960494DF}">
+            <a:ext uri="{91240B29-F687-4F45-9708-019B960494DF}">
               <a14:hiddenLine xmlns:a14="http://schemas.microsoft.com/office/drawing/2010/main" w="9525">
                 <a:solidFill>
                   <a:srgbClr val="000000"/>
@@ -2529,14 +2529,14 @@
           <a:noFill/>
           <a:ln/>
           <a:extLst>
-            <a:ext uri="{909E8E84-426E-40dd-AFC4-6F175D3DCCD1}">
+            <a:ext uri="{909E8E84-426E-40DD-AFC4-6F175D3DCCD1}">
               <a14:hiddenFill xmlns:a14="http://schemas.microsoft.com/office/drawing/2010/main">
                 <a:solidFill>
                   <a:srgbClr val="FFFFFF"/>
                 </a:solidFill>
               </a14:hiddenFill>
             </a:ext>
-            <a:ext uri="{91240B29-F687-4f45-9708-019B960494DF}">
+            <a:ext uri="{91240B29-F687-4F45-9708-019B960494DF}">
               <a14:hiddenLine xmlns:a14="http://schemas.microsoft.com/office/drawing/2010/main" w="9525">
                 <a:solidFill>
                   <a:srgbClr val="000000"/>
@@ -2688,14 +2688,14 @@
           <a:noFill/>
           <a:ln/>
           <a:extLst>
-            <a:ext uri="{909E8E84-426E-40dd-AFC4-6F175D3DCCD1}">
+            <a:ext uri="{909E8E84-426E-40DD-AFC4-6F175D3DCCD1}">
               <a14:hiddenFill xmlns:a14="http://schemas.microsoft.com/office/drawing/2010/main">
                 <a:solidFill>
                   <a:srgbClr val="FFFFFF"/>
                 </a:solidFill>
               </a14:hiddenFill>
             </a:ext>
-            <a:ext uri="{91240B29-F687-4f45-9708-019B960494DF}">
+            <a:ext uri="{91240B29-F687-4F45-9708-019B960494DF}">
               <a14:hiddenLine xmlns:a14="http://schemas.microsoft.com/office/drawing/2010/main" w="9525">
                 <a:solidFill>
                   <a:srgbClr val="000000"/>
@@ -2847,14 +2847,14 @@
           <a:noFill/>
           <a:ln/>
           <a:extLst>
-            <a:ext uri="{909E8E84-426E-40dd-AFC4-6F175D3DCCD1}">
+            <a:ext uri="{909E8E84-426E-40DD-AFC4-6F175D3DCCD1}">
               <a14:hiddenFill xmlns:a14="http://schemas.microsoft.com/office/drawing/2010/main">
                 <a:solidFill>
                   <a:srgbClr val="FFFFFF"/>
                 </a:solidFill>
               </a14:hiddenFill>
             </a:ext>
-            <a:ext uri="{91240B29-F687-4f45-9708-019B960494DF}">
+            <a:ext uri="{91240B29-F687-4F45-9708-019B960494DF}">
               <a14:hiddenLine xmlns:a14="http://schemas.microsoft.com/office/drawing/2010/main" w="9525">
                 <a:solidFill>
                   <a:srgbClr val="000000"/>
@@ -3022,14 +3022,14 @@
           <a:noFill/>
           <a:ln/>
           <a:extLst>
-            <a:ext uri="{909E8E84-426E-40dd-AFC4-6F175D3DCCD1}">
+            <a:ext uri="{909E8E84-426E-40DD-AFC4-6F175D3DCCD1}">
               <a14:hiddenFill xmlns:a14="http://schemas.microsoft.com/office/drawing/2010/main">
                 <a:solidFill>
                   <a:srgbClr val="FFFFFF"/>
                 </a:solidFill>
               </a14:hiddenFill>
             </a:ext>
-            <a:ext uri="{91240B29-F687-4f45-9708-019B960494DF}">
+            <a:ext uri="{91240B29-F687-4F45-9708-019B960494DF}">
               <a14:hiddenLine xmlns:a14="http://schemas.microsoft.com/office/drawing/2010/main" w="9525">
                 <a:solidFill>
                   <a:srgbClr val="000000"/>
@@ -3040,7 +3040,7 @@
               </a14:hiddenLine>
             </a:ext>
             <a:ext uri="{FAA26D3D-D897-4be2-8F04-BA451C77F1D7}">
-              <ma14:placeholderFlag xmlns:ma14="http://schemas.microsoft.com/office/mac/drawingml/2011/main" val="1"/>
+              <ma14:placeholderFlag xmlns:ma14="http://schemas.microsoft.com/office/mac/drawingml/2011/main" xmlns="" val="1"/>
             </a:ext>
           </a:extLst>
         </p:spPr>
@@ -3091,14 +3091,14 @@
           <a:noFill/>
           <a:ln/>
           <a:extLst>
-            <a:ext uri="{909E8E84-426E-40dd-AFC4-6F175D3DCCD1}">
+            <a:ext uri="{909E8E84-426E-40DD-AFC4-6F175D3DCCD1}">
               <a14:hiddenFill xmlns:a14="http://schemas.microsoft.com/office/drawing/2010/main">
                 <a:solidFill>
                   <a:srgbClr val="FFFFFF"/>
                 </a:solidFill>
               </a14:hiddenFill>
             </a:ext>
-            <a:ext uri="{91240B29-F687-4f45-9708-019B960494DF}">
+            <a:ext uri="{91240B29-F687-4F45-9708-019B960494DF}">
               <a14:hiddenLine xmlns:a14="http://schemas.microsoft.com/office/drawing/2010/main" w="9525">
                 <a:solidFill>
                   <a:srgbClr val="000000"/>
@@ -3250,14 +3250,14 @@
           <a:noFill/>
           <a:ln/>
           <a:extLst>
-            <a:ext uri="{909E8E84-426E-40dd-AFC4-6F175D3DCCD1}">
+            <a:ext uri="{909E8E84-426E-40DD-AFC4-6F175D3DCCD1}">
               <a14:hiddenFill xmlns:a14="http://schemas.microsoft.com/office/drawing/2010/main">
                 <a:solidFill>
                   <a:srgbClr val="FFFFFF"/>
                 </a:solidFill>
               </a14:hiddenFill>
             </a:ext>
-            <a:ext uri="{91240B29-F687-4f45-9708-019B960494DF}">
+            <a:ext uri="{91240B29-F687-4F45-9708-019B960494DF}">
               <a14:hiddenLine xmlns:a14="http://schemas.microsoft.com/office/drawing/2010/main" w="9525">
                 <a:solidFill>
                   <a:srgbClr val="000000"/>
@@ -3409,14 +3409,14 @@
           <a:noFill/>
           <a:ln/>
           <a:extLst>
-            <a:ext uri="{909E8E84-426E-40dd-AFC4-6F175D3DCCD1}">
+            <a:ext uri="{909E8E84-426E-40DD-AFC4-6F175D3DCCD1}">
               <a14:hiddenFill xmlns:a14="http://schemas.microsoft.com/office/drawing/2010/main">
                 <a:solidFill>
                   <a:srgbClr val="FFFFFF"/>
                 </a:solidFill>
               </a14:hiddenFill>
             </a:ext>
-            <a:ext uri="{91240B29-F687-4f45-9708-019B960494DF}">
+            <a:ext uri="{91240B29-F687-4F45-9708-019B960494DF}">
               <a14:hiddenLine xmlns:a14="http://schemas.microsoft.com/office/drawing/2010/main" w="9525">
                 <a:solidFill>
                   <a:srgbClr val="000000"/>
@@ -3568,14 +3568,14 @@
           <a:noFill/>
           <a:ln/>
           <a:extLst>
-            <a:ext uri="{909E8E84-426E-40dd-AFC4-6F175D3DCCD1}">
+            <a:ext uri="{909E8E84-426E-40DD-AFC4-6F175D3DCCD1}">
               <a14:hiddenFill xmlns:a14="http://schemas.microsoft.com/office/drawing/2010/main">
                 <a:solidFill>
                   <a:srgbClr val="FFFFFF"/>
                 </a:solidFill>
               </a14:hiddenFill>
             </a:ext>
-            <a:ext uri="{91240B29-F687-4f45-9708-019B960494DF}">
+            <a:ext uri="{91240B29-F687-4F45-9708-019B960494DF}">
               <a14:hiddenLine xmlns:a14="http://schemas.microsoft.com/office/drawing/2010/main" w="9525">
                 <a:solidFill>
                   <a:srgbClr val="000000"/>
@@ -3743,14 +3743,14 @@
           <a:noFill/>
           <a:ln/>
           <a:extLst>
-            <a:ext uri="{909E8E84-426E-40dd-AFC4-6F175D3DCCD1}">
+            <a:ext uri="{909E8E84-426E-40DD-AFC4-6F175D3DCCD1}">
               <a14:hiddenFill xmlns:a14="http://schemas.microsoft.com/office/drawing/2010/main">
                 <a:solidFill>
                   <a:srgbClr val="FFFFFF"/>
                 </a:solidFill>
               </a14:hiddenFill>
             </a:ext>
-            <a:ext uri="{91240B29-F687-4f45-9708-019B960494DF}">
+            <a:ext uri="{91240B29-F687-4F45-9708-019B960494DF}">
               <a14:hiddenLine xmlns:a14="http://schemas.microsoft.com/office/drawing/2010/main" w="9525">
                 <a:solidFill>
                   <a:srgbClr val="000000"/>
@@ -3761,7 +3761,7 @@
               </a14:hiddenLine>
             </a:ext>
             <a:ext uri="{FAA26D3D-D897-4be2-8F04-BA451C77F1D7}">
-              <ma14:placeholderFlag xmlns:ma14="http://schemas.microsoft.com/office/mac/drawingml/2011/main" val="1"/>
+              <ma14:placeholderFlag xmlns:ma14="http://schemas.microsoft.com/office/mac/drawingml/2011/main" xmlns="" val="1"/>
             </a:ext>
           </a:extLst>
         </p:spPr>
@@ -3812,14 +3812,14 @@
           <a:noFill/>
           <a:ln/>
           <a:extLst>
-            <a:ext uri="{909E8E84-426E-40dd-AFC4-6F175D3DCCD1}">
+            <a:ext uri="{909E8E84-426E-40DD-AFC4-6F175D3DCCD1}">
               <a14:hiddenFill xmlns:a14="http://schemas.microsoft.com/office/drawing/2010/main">
                 <a:solidFill>
                   <a:srgbClr val="FFFFFF"/>
                 </a:solidFill>
               </a14:hiddenFill>
             </a:ext>
-            <a:ext uri="{91240B29-F687-4f45-9708-019B960494DF}">
+            <a:ext uri="{91240B29-F687-4F45-9708-019B960494DF}">
               <a14:hiddenLine xmlns:a14="http://schemas.microsoft.com/office/drawing/2010/main" w="9525">
                 <a:solidFill>
                   <a:srgbClr val="000000"/>
@@ -3971,14 +3971,14 @@
           <a:noFill/>
           <a:ln/>
           <a:extLst>
-            <a:ext uri="{909E8E84-426E-40dd-AFC4-6F175D3DCCD1}">
+            <a:ext uri="{909E8E84-426E-40DD-AFC4-6F175D3DCCD1}">
               <a14:hiddenFill xmlns:a14="http://schemas.microsoft.com/office/drawing/2010/main">
                 <a:solidFill>
                   <a:srgbClr val="FFFFFF"/>
                 </a:solidFill>
               </a14:hiddenFill>
             </a:ext>
-            <a:ext uri="{91240B29-F687-4f45-9708-019B960494DF}">
+            <a:ext uri="{91240B29-F687-4F45-9708-019B960494DF}">
               <a14:hiddenLine xmlns:a14="http://schemas.microsoft.com/office/drawing/2010/main" w="9525">
                 <a:solidFill>
                   <a:srgbClr val="000000"/>
@@ -4130,14 +4130,14 @@
           <a:noFill/>
           <a:ln/>
           <a:extLst>
-            <a:ext uri="{909E8E84-426E-40dd-AFC4-6F175D3DCCD1}">
+            <a:ext uri="{909E8E84-426E-40DD-AFC4-6F175D3DCCD1}">
               <a14:hiddenFill xmlns:a14="http://schemas.microsoft.com/office/drawing/2010/main">
                 <a:solidFill>
                   <a:srgbClr val="FFFFFF"/>
                 </a:solidFill>
               </a14:hiddenFill>
             </a:ext>
-            <a:ext uri="{91240B29-F687-4f45-9708-019B960494DF}">
+            <a:ext uri="{91240B29-F687-4F45-9708-019B960494DF}">
               <a14:hiddenLine xmlns:a14="http://schemas.microsoft.com/office/drawing/2010/main" w="9525">
                 <a:solidFill>
                   <a:srgbClr val="000000"/>
@@ -4289,14 +4289,14 @@
           <a:noFill/>
           <a:ln/>
           <a:extLst>
-            <a:ext uri="{909E8E84-426E-40dd-AFC4-6F175D3DCCD1}">
+            <a:ext uri="{909E8E84-426E-40DD-AFC4-6F175D3DCCD1}">
               <a14:hiddenFill xmlns:a14="http://schemas.microsoft.com/office/drawing/2010/main">
                 <a:solidFill>
                   <a:srgbClr val="FFFFFF"/>
                 </a:solidFill>
               </a14:hiddenFill>
             </a:ext>
-            <a:ext uri="{91240B29-F687-4f45-9708-019B960494DF}">
+            <a:ext uri="{91240B29-F687-4F45-9708-019B960494DF}">
               <a14:hiddenLine xmlns:a14="http://schemas.microsoft.com/office/drawing/2010/main" w="9525">
                 <a:solidFill>
                   <a:srgbClr val="000000"/>
@@ -4464,14 +4464,14 @@
           <a:noFill/>
           <a:ln/>
           <a:extLst>
-            <a:ext uri="{909E8E84-426E-40dd-AFC4-6F175D3DCCD1}">
+            <a:ext uri="{909E8E84-426E-40DD-AFC4-6F175D3DCCD1}">
               <a14:hiddenFill xmlns:a14="http://schemas.microsoft.com/office/drawing/2010/main">
                 <a:solidFill>
                   <a:srgbClr val="FFFFFF"/>
                 </a:solidFill>
               </a14:hiddenFill>
             </a:ext>
-            <a:ext uri="{91240B29-F687-4f45-9708-019B960494DF}">
+            <a:ext uri="{91240B29-F687-4F45-9708-019B960494DF}">
               <a14:hiddenLine xmlns:a14="http://schemas.microsoft.com/office/drawing/2010/main" w="9525">
                 <a:solidFill>
                   <a:srgbClr val="000000"/>
@@ -4482,7 +4482,7 @@
               </a14:hiddenLine>
             </a:ext>
             <a:ext uri="{FAA26D3D-D897-4be2-8F04-BA451C77F1D7}">
-              <ma14:placeholderFlag xmlns:ma14="http://schemas.microsoft.com/office/mac/drawingml/2011/main" val="1"/>
+              <ma14:placeholderFlag xmlns:ma14="http://schemas.microsoft.com/office/mac/drawingml/2011/main" xmlns="" val="1"/>
             </a:ext>
           </a:extLst>
         </p:spPr>
@@ -4533,14 +4533,14 @@
           <a:noFill/>
           <a:ln/>
           <a:extLst>
-            <a:ext uri="{909E8E84-426E-40dd-AFC4-6F175D3DCCD1}">
+            <a:ext uri="{909E8E84-426E-40DD-AFC4-6F175D3DCCD1}">
               <a14:hiddenFill xmlns:a14="http://schemas.microsoft.com/office/drawing/2010/main">
                 <a:solidFill>
                   <a:srgbClr val="FFFFFF"/>
                 </a:solidFill>
               </a14:hiddenFill>
             </a:ext>
-            <a:ext uri="{91240B29-F687-4f45-9708-019B960494DF}">
+            <a:ext uri="{91240B29-F687-4F45-9708-019B960494DF}">
               <a14:hiddenLine xmlns:a14="http://schemas.microsoft.com/office/drawing/2010/main" w="9525">
                 <a:solidFill>
                   <a:srgbClr val="000000"/>
@@ -4692,14 +4692,14 @@
           <a:noFill/>
           <a:ln/>
           <a:extLst>
-            <a:ext uri="{909E8E84-426E-40dd-AFC4-6F175D3DCCD1}">
+            <a:ext uri="{909E8E84-426E-40DD-AFC4-6F175D3DCCD1}">
               <a14:hiddenFill xmlns:a14="http://schemas.microsoft.com/office/drawing/2010/main">
                 <a:solidFill>
                   <a:srgbClr val="FFFFFF"/>
                 </a:solidFill>
               </a14:hiddenFill>
             </a:ext>
-            <a:ext uri="{91240B29-F687-4f45-9708-019B960494DF}">
+            <a:ext uri="{91240B29-F687-4F45-9708-019B960494DF}">
               <a14:hiddenLine xmlns:a14="http://schemas.microsoft.com/office/drawing/2010/main" w="9525">
                 <a:solidFill>
                   <a:srgbClr val="000000"/>
@@ -4851,14 +4851,14 @@
           <a:noFill/>
           <a:ln/>
           <a:extLst>
-            <a:ext uri="{909E8E84-426E-40dd-AFC4-6F175D3DCCD1}">
+            <a:ext uri="{909E8E84-426E-40DD-AFC4-6F175D3DCCD1}">
               <a14:hiddenFill xmlns:a14="http://schemas.microsoft.com/office/drawing/2010/main">
                 <a:solidFill>
                   <a:srgbClr val="FFFFFF"/>
                 </a:solidFill>
               </a14:hiddenFill>
             </a:ext>
-            <a:ext uri="{91240B29-F687-4f45-9708-019B960494DF}">
+            <a:ext uri="{91240B29-F687-4F45-9708-019B960494DF}">
               <a14:hiddenLine xmlns:a14="http://schemas.microsoft.com/office/drawing/2010/main" w="9525">
                 <a:solidFill>
                   <a:srgbClr val="000000"/>
@@ -5010,14 +5010,14 @@
           <a:noFill/>
           <a:ln/>
           <a:extLst>
-            <a:ext uri="{909E8E84-426E-40dd-AFC4-6F175D3DCCD1}">
+            <a:ext uri="{909E8E84-426E-40DD-AFC4-6F175D3DCCD1}">
               <a14:hiddenFill xmlns:a14="http://schemas.microsoft.com/office/drawing/2010/main">
                 <a:solidFill>
                   <a:srgbClr val="FFFFFF"/>
                 </a:solidFill>
               </a14:hiddenFill>
             </a:ext>
-            <a:ext uri="{91240B29-F687-4f45-9708-019B960494DF}">
+            <a:ext uri="{91240B29-F687-4F45-9708-019B960494DF}">
               <a14:hiddenLine xmlns:a14="http://schemas.microsoft.com/office/drawing/2010/main" w="9525">
                 <a:solidFill>
                   <a:srgbClr val="000000"/>
@@ -5185,14 +5185,14 @@
           <a:noFill/>
           <a:ln/>
           <a:extLst>
-            <a:ext uri="{909E8E84-426E-40dd-AFC4-6F175D3DCCD1}">
+            <a:ext uri="{909E8E84-426E-40DD-AFC4-6F175D3DCCD1}">
               <a14:hiddenFill xmlns:a14="http://schemas.microsoft.com/office/drawing/2010/main">
                 <a:solidFill>
                   <a:srgbClr val="FFFFFF"/>
                 </a:solidFill>
               </a14:hiddenFill>
             </a:ext>
-            <a:ext uri="{91240B29-F687-4f45-9708-019B960494DF}">
+            <a:ext uri="{91240B29-F687-4F45-9708-019B960494DF}">
               <a14:hiddenLine xmlns:a14="http://schemas.microsoft.com/office/drawing/2010/main" w="9525">
                 <a:solidFill>
                   <a:srgbClr val="000000"/>
@@ -5203,7 +5203,7 @@
               </a14:hiddenLine>
             </a:ext>
             <a:ext uri="{FAA26D3D-D897-4be2-8F04-BA451C77F1D7}">
-              <ma14:placeholderFlag xmlns:ma14="http://schemas.microsoft.com/office/mac/drawingml/2011/main" val="1"/>
+              <ma14:placeholderFlag xmlns:ma14="http://schemas.microsoft.com/office/mac/drawingml/2011/main" xmlns="" val="1"/>
             </a:ext>
           </a:extLst>
         </p:spPr>
@@ -5254,14 +5254,14 @@
           <a:noFill/>
           <a:ln/>
           <a:extLst>
-            <a:ext uri="{909E8E84-426E-40dd-AFC4-6F175D3DCCD1}">
+            <a:ext uri="{909E8E84-426E-40DD-AFC4-6F175D3DCCD1}">
               <a14:hiddenFill xmlns:a14="http://schemas.microsoft.com/office/drawing/2010/main">
                 <a:solidFill>
                   <a:srgbClr val="FFFFFF"/>
                 </a:solidFill>
               </a14:hiddenFill>
             </a:ext>
-            <a:ext uri="{91240B29-F687-4f45-9708-019B960494DF}">
+            <a:ext uri="{91240B29-F687-4F45-9708-019B960494DF}">
               <a14:hiddenLine xmlns:a14="http://schemas.microsoft.com/office/drawing/2010/main" w="9525">
                 <a:solidFill>
                   <a:srgbClr val="000000"/>
@@ -5413,14 +5413,14 @@
           <a:noFill/>
           <a:ln/>
           <a:extLst>
-            <a:ext uri="{909E8E84-426E-40dd-AFC4-6F175D3DCCD1}">
+            <a:ext uri="{909E8E84-426E-40DD-AFC4-6F175D3DCCD1}">
               <a14:hiddenFill xmlns:a14="http://schemas.microsoft.com/office/drawing/2010/main">
                 <a:solidFill>
                   <a:srgbClr val="FFFFFF"/>
                 </a:solidFill>
               </a14:hiddenFill>
             </a:ext>
-            <a:ext uri="{91240B29-F687-4f45-9708-019B960494DF}">
+            <a:ext uri="{91240B29-F687-4F45-9708-019B960494DF}">
               <a14:hiddenLine xmlns:a14="http://schemas.microsoft.com/office/drawing/2010/main" w="9525">
                 <a:solidFill>
                   <a:srgbClr val="000000"/>
@@ -5572,14 +5572,14 @@
           <a:noFill/>
           <a:ln/>
           <a:extLst>
-            <a:ext uri="{909E8E84-426E-40dd-AFC4-6F175D3DCCD1}">
+            <a:ext uri="{909E8E84-426E-40DD-AFC4-6F175D3DCCD1}">
               <a14:hiddenFill xmlns:a14="http://schemas.microsoft.com/office/drawing/2010/main">
                 <a:solidFill>
                   <a:srgbClr val="FFFFFF"/>
                 </a:solidFill>
               </a14:hiddenFill>
             </a:ext>
-            <a:ext uri="{91240B29-F687-4f45-9708-019B960494DF}">
+            <a:ext uri="{91240B29-F687-4F45-9708-019B960494DF}">
               <a14:hiddenLine xmlns:a14="http://schemas.microsoft.com/office/drawing/2010/main" w="9525">
                 <a:solidFill>
                   <a:srgbClr val="000000"/>
@@ -5731,14 +5731,14 @@
           <a:noFill/>
           <a:ln/>
           <a:extLst>
-            <a:ext uri="{909E8E84-426E-40dd-AFC4-6F175D3DCCD1}">
+            <a:ext uri="{909E8E84-426E-40DD-AFC4-6F175D3DCCD1}">
               <a14:hiddenFill xmlns:a14="http://schemas.microsoft.com/office/drawing/2010/main">
                 <a:solidFill>
                   <a:srgbClr val="FFFFFF"/>
                 </a:solidFill>
               </a14:hiddenFill>
             </a:ext>
-            <a:ext uri="{91240B29-F687-4f45-9708-019B960494DF}">
+            <a:ext uri="{91240B29-F687-4F45-9708-019B960494DF}">
               <a14:hiddenLine xmlns:a14="http://schemas.microsoft.com/office/drawing/2010/main" w="9525">
                 <a:solidFill>
                   <a:srgbClr val="000000"/>
@@ -5906,14 +5906,14 @@
           <a:noFill/>
           <a:ln/>
           <a:extLst>
-            <a:ext uri="{909E8E84-426E-40dd-AFC4-6F175D3DCCD1}">
+            <a:ext uri="{909E8E84-426E-40DD-AFC4-6F175D3DCCD1}">
               <a14:hiddenFill xmlns:a14="http://schemas.microsoft.com/office/drawing/2010/main">
                 <a:solidFill>
                   <a:srgbClr val="FFFFFF"/>
                 </a:solidFill>
               </a14:hiddenFill>
             </a:ext>
-            <a:ext uri="{91240B29-F687-4f45-9708-019B960494DF}">
+            <a:ext uri="{91240B29-F687-4F45-9708-019B960494DF}">
               <a14:hiddenLine xmlns:a14="http://schemas.microsoft.com/office/drawing/2010/main" w="9525">
                 <a:solidFill>
                   <a:srgbClr val="000000"/>
@@ -5924,7 +5924,7 @@
               </a14:hiddenLine>
             </a:ext>
             <a:ext uri="{FAA26D3D-D897-4be2-8F04-BA451C77F1D7}">
-              <ma14:placeholderFlag xmlns:ma14="http://schemas.microsoft.com/office/mac/drawingml/2011/main" val="1"/>
+              <ma14:placeholderFlag xmlns:ma14="http://schemas.microsoft.com/office/mac/drawingml/2011/main" xmlns="" val="1"/>
             </a:ext>
           </a:extLst>
         </p:spPr>
@@ -6025,7 +6025,7 @@
             <a:tailEnd/>
           </a:ln>
           <a:extLst>
-            <a:ext uri="{909E8E84-426E-40dd-AFC4-6F175D3DCCD1}">
+            <a:ext uri="{909E8E84-426E-40DD-AFC4-6F175D3DCCD1}">
               <a14:hiddenFill xmlns:a14="http://schemas.microsoft.com/office/drawing/2010/main">
                 <a:solidFill>
                   <a:srgbClr val="FFFFFF"/>
@@ -6068,7 +6068,7 @@
             <a:tailEnd/>
           </a:ln>
           <a:extLst>
-            <a:ext uri="{909E8E84-426E-40dd-AFC4-6F175D3DCCD1}">
+            <a:ext uri="{909E8E84-426E-40DD-AFC4-6F175D3DCCD1}">
               <a14:hiddenFill xmlns:a14="http://schemas.microsoft.com/office/drawing/2010/main">
                 <a:noFill/>
               </a14:hiddenFill>
@@ -6168,7 +6168,7 @@
           <a:p>
             <a:fld id="{ADD51B6F-966B-5245-92B7-4F84852DD080}" type="datetime1">
               <a:rPr lang="en-US" smtClean="0"/>
-              <a:t>5/16/16</a:t>
+              <a:t>5/18/2016</a:t>
             </a:fld>
             <a:endParaRPr lang="en-US"/>
           </a:p>
@@ -6365,7 +6365,7 @@
           <a:p>
             <a:fld id="{57724D83-ABA2-4F46-851C-19FF1B81DF8C}" type="datetime1">
               <a:rPr lang="en-US" smtClean="0"/>
-              <a:t>5/16/16</a:t>
+              <a:t>5/18/2016</a:t>
             </a:fld>
             <a:endParaRPr lang="en-US"/>
           </a:p>
@@ -6571,7 +6571,7 @@
           <a:p>
             <a:fld id="{575E6990-0BFF-1941-91CA-5DFBE22CE879}" type="datetime1">
               <a:rPr lang="en-US" smtClean="0"/>
-              <a:t>5/16/16</a:t>
+              <a:t>5/18/2016</a:t>
             </a:fld>
             <a:endParaRPr lang="en-US"/>
           </a:p>
@@ -6834,7 +6834,7 @@
           <a:p>
             <a:fld id="{B5772B71-848E-064E-BB82-952B7A18EE08}" type="datetime1">
               <a:rPr lang="en-US" smtClean="0"/>
-              <a:t>5/16/16</a:t>
+              <a:t>5/18/2016</a:t>
             </a:fld>
             <a:endParaRPr lang="en-US"/>
           </a:p>
@@ -7097,7 +7097,7 @@
           <a:p>
             <a:fld id="{59FD4277-D456-B146-9041-83305927E5AC}" type="datetime1">
               <a:rPr lang="en-US" smtClean="0"/>
-              <a:t>5/16/16</a:t>
+              <a:t>5/18/2016</a:t>
             </a:fld>
             <a:endParaRPr lang="en-US"/>
           </a:p>
@@ -7293,7 +7293,7 @@
           <a:p>
             <a:fld id="{9ABD8747-3F95-5945-BC38-9FFB3ADF3535}" type="datetime1">
               <a:rPr lang="en-US" smtClean="0"/>
-              <a:t>5/16/16</a:t>
+              <a:t>5/18/2016</a:t>
             </a:fld>
             <a:endParaRPr lang="en-US"/>
           </a:p>
@@ -7511,7 +7511,7 @@
           <a:p>
             <a:fld id="{4E9C690B-E9AB-D945-82B5-FC85301FFE17}" type="datetime1">
               <a:rPr lang="en-US" smtClean="0"/>
-              <a:t>5/16/16</a:t>
+              <a:t>5/18/2016</a:t>
             </a:fld>
             <a:endParaRPr lang="en-US"/>
           </a:p>
@@ -7825,7 +7825,7 @@
           <a:p>
             <a:fld id="{AADE1E8C-F6D9-9646-9892-C60DA84944C2}" type="datetime1">
               <a:rPr lang="en-US" smtClean="0"/>
-              <a:t>5/16/16</a:t>
+              <a:t>5/18/2016</a:t>
             </a:fld>
             <a:endParaRPr lang="en-US"/>
           </a:p>
@@ -8278,7 +8278,7 @@
           <a:p>
             <a:fld id="{4E2C5E8E-55BA-4D46-B101-54A3CD64F67C}" type="datetime1">
               <a:rPr lang="en-US" smtClean="0"/>
-              <a:t>5/16/16</a:t>
+              <a:t>5/18/2016</a:t>
             </a:fld>
             <a:endParaRPr lang="en-US"/>
           </a:p>
@@ -8422,7 +8422,7 @@
           <a:p>
             <a:fld id="{72B5BF11-5125-E841-9A45-559E32C062D9}" type="datetime1">
               <a:rPr lang="en-US" smtClean="0"/>
-              <a:t>5/16/16</a:t>
+              <a:t>5/18/2016</a:t>
             </a:fld>
             <a:endParaRPr lang="en-US"/>
           </a:p>
@@ -8543,7 +8543,7 @@
           <a:p>
             <a:fld id="{F080102C-3CCC-E348-8A9F-FC456345F7F6}" type="datetime1">
               <a:rPr lang="en-US" smtClean="0"/>
-              <a:t>5/16/16</a:t>
+              <a:t>5/18/2016</a:t>
             </a:fld>
             <a:endParaRPr lang="en-US"/>
           </a:p>
@@ -8846,7 +8846,7 @@
           <a:p>
             <a:fld id="{34498D09-830A-BF48-9A8F-FAB109B516E6}" type="datetime1">
               <a:rPr lang="en-US" smtClean="0"/>
-              <a:t>5/16/16</a:t>
+              <a:t>5/18/2016</a:t>
             </a:fld>
             <a:endParaRPr lang="en-US"/>
           </a:p>
@@ -9126,7 +9126,7 @@
           <a:p>
             <a:fld id="{DACD6059-EED0-264E-AC03-331B4B2BABB4}" type="datetime1">
               <a:rPr lang="en-US" smtClean="0"/>
-              <a:t>5/16/16</a:t>
+              <a:t>5/18/2016</a:t>
             </a:fld>
             <a:endParaRPr lang="en-US"/>
           </a:p>
@@ -9255,14 +9255,14 @@
             <a:noFill/>
           </a:ln>
           <a:extLst>
-            <a:ext uri="{909E8E84-426E-40dd-AFC4-6F175D3DCCD1}">
+            <a:ext uri="{909E8E84-426E-40DD-AFC4-6F175D3DCCD1}">
               <a14:hiddenFill xmlns:a14="http://schemas.microsoft.com/office/drawing/2010/main">
                 <a:solidFill>
                   <a:srgbClr val="FFFFFF"/>
                 </a:solidFill>
               </a14:hiddenFill>
             </a:ext>
-            <a:ext uri="{91240B29-F687-4f45-9708-019B960494DF}">
+            <a:ext uri="{91240B29-F687-4F45-9708-019B960494DF}">
               <a14:hiddenLine xmlns:a14="http://schemas.microsoft.com/office/drawing/2010/main" w="9525">
                 <a:solidFill>
                   <a:srgbClr val="000000"/>
@@ -9273,7 +9273,7 @@
               </a14:hiddenLine>
             </a:ext>
             <a:ext uri="{FAA26D3D-D897-4be2-8F04-BA451C77F1D7}">
-              <ma14:placeholderFlag xmlns:ma14="http://schemas.microsoft.com/office/mac/drawingml/2011/main" val="1"/>
+              <ma14:placeholderFlag xmlns:ma14="http://schemas.microsoft.com/office/mac/drawingml/2011/main" xmlns="" val="1"/>
             </a:ext>
           </a:extLst>
         </p:spPr>
@@ -9316,14 +9316,14 @@
             <a:noFill/>
           </a:ln>
           <a:extLst>
-            <a:ext uri="{909E8E84-426E-40dd-AFC4-6F175D3DCCD1}">
+            <a:ext uri="{909E8E84-426E-40DD-AFC4-6F175D3DCCD1}">
               <a14:hiddenFill xmlns:a14="http://schemas.microsoft.com/office/drawing/2010/main">
                 <a:solidFill>
                   <a:srgbClr val="FFFFFF"/>
                 </a:solidFill>
               </a14:hiddenFill>
             </a:ext>
-            <a:ext uri="{91240B29-F687-4f45-9708-019B960494DF}">
+            <a:ext uri="{91240B29-F687-4F45-9708-019B960494DF}">
               <a14:hiddenLine xmlns:a14="http://schemas.microsoft.com/office/drawing/2010/main" w="9525">
                 <a:solidFill>
                   <a:srgbClr val="000000"/>
@@ -9334,7 +9334,7 @@
               </a14:hiddenLine>
             </a:ext>
             <a:ext uri="{FAA26D3D-D897-4be2-8F04-BA451C77F1D7}">
-              <ma14:placeholderFlag xmlns:ma14="http://schemas.microsoft.com/office/mac/drawingml/2011/main" val="1"/>
+              <ma14:placeholderFlag xmlns:ma14="http://schemas.microsoft.com/office/mac/drawingml/2011/main" xmlns="" val="1"/>
             </a:ext>
           </a:extLst>
         </p:spPr>
@@ -9425,7 +9425,7 @@
           <a:p>
             <a:fld id="{2A926741-87A7-DC49-AC60-FC6595A0A186}" type="datetime1">
               <a:rPr lang="en-US" smtClean="0"/>
-              <a:t>5/16/16</a:t>
+              <a:t>5/18/2016</a:t>
             </a:fld>
             <a:endParaRPr lang="en-US"/>
           </a:p>
@@ -9599,7 +9599,7 @@
             <a:tailEnd/>
           </a:ln>
           <a:extLst>
-            <a:ext uri="{909E8E84-426E-40dd-AFC4-6F175D3DCCD1}">
+            <a:ext uri="{909E8E84-426E-40DD-AFC4-6F175D3DCCD1}">
               <a14:hiddenFill xmlns:a14="http://schemas.microsoft.com/office/drawing/2010/main">
                 <a:solidFill>
                   <a:srgbClr val="FFFFFF"/>
@@ -9642,7 +9642,7 @@
             <a:tailEnd/>
           </a:ln>
           <a:extLst>
-            <a:ext uri="{909E8E84-426E-40dd-AFC4-6F175D3DCCD1}">
+            <a:ext uri="{909E8E84-426E-40DD-AFC4-6F175D3DCCD1}">
               <a14:hiddenFill xmlns:a14="http://schemas.microsoft.com/office/drawing/2010/main">
                 <a:noFill/>
               </a14:hiddenFill>
@@ -9678,7 +9678,7 @@
   <p:timing>
     <p:tnLst>
       <p:par>
-        <p:cTn xmlns:p14="http://schemas.microsoft.com/office/powerpoint/2010/main" id="1" dur="indefinite" restart="never" nodeType="tmRoot"/>
+        <p:cTn id="1" dur="indefinite" restart="never" nodeType="tmRoot"/>
       </p:par>
     </p:tnLst>
   </p:timing>
@@ -10383,7 +10383,7 @@
   <p:timing>
     <p:tnLst>
       <p:par>
-        <p:cTn xmlns:p14="http://schemas.microsoft.com/office/powerpoint/2010/main" id="1" dur="indefinite" restart="never" nodeType="tmRoot"/>
+        <p:cTn id="1" dur="indefinite" restart="never" nodeType="tmRoot"/>
       </p:par>
     </p:tnLst>
   </p:timing>
@@ -10742,7 +10742,7 @@
               <a:rPr lang="en-US" smtClean="0">
                 <a:latin typeface="Garamond" charset="0"/>
               </a:rPr>
-              <a:t>5/16/16</a:t>
+              <a:t>5/18/2016</a:t>
             </a:fld>
             <a:endParaRPr lang="en-US">
               <a:latin typeface="Garamond" charset="0"/>
@@ -10928,7 +10928,7 @@
   <p:timing>
     <p:tnLst>
       <p:par>
-        <p:cTn xmlns:p14="http://schemas.microsoft.com/office/powerpoint/2010/main" id="1" dur="indefinite" restart="never" nodeType="tmRoot"/>
+        <p:cTn id="1" dur="indefinite" restart="never" nodeType="tmRoot"/>
       </p:par>
     </p:tnLst>
   </p:timing>
@@ -11195,7 +11195,7 @@
               <a:rPr lang="en-US" smtClean="0">
                 <a:latin typeface="Garamond" charset="0"/>
               </a:rPr>
-              <a:t>5/16/16</a:t>
+              <a:t>5/18/2016</a:t>
             </a:fld>
             <a:endParaRPr lang="en-US">
               <a:latin typeface="Garamond" charset="0"/>
@@ -11381,7 +11381,7 @@
   <p:timing>
     <p:tnLst>
       <p:par>
-        <p:cTn xmlns:p14="http://schemas.microsoft.com/office/powerpoint/2010/main" id="1" dur="indefinite" restart="never" nodeType="tmRoot"/>
+        <p:cTn id="1" dur="indefinite" restart="never" nodeType="tmRoot"/>
       </p:par>
     </p:tnLst>
   </p:timing>
@@ -11829,7 +11829,7 @@
               <a:rPr lang="en-US" smtClean="0">
                 <a:latin typeface="Garamond" charset="0"/>
               </a:rPr>
-              <a:t>5/16/16</a:t>
+              <a:t>5/18/2016</a:t>
             </a:fld>
             <a:endParaRPr lang="en-US">
               <a:latin typeface="Garamond" charset="0"/>
@@ -12015,7 +12015,7 @@
   <p:timing>
     <p:tnLst>
       <p:par>
-        <p:cTn xmlns:p14="http://schemas.microsoft.com/office/powerpoint/2010/main" id="1" dur="indefinite" restart="never" nodeType="tmRoot"/>
+        <p:cTn id="1" dur="indefinite" restart="never" nodeType="tmRoot"/>
       </p:par>
     </p:tnLst>
   </p:timing>
@@ -12285,7 +12285,7 @@
               <a:rPr lang="en-US" smtClean="0">
                 <a:latin typeface="Garamond" charset="0"/>
               </a:rPr>
-              <a:t>5/16/16</a:t>
+              <a:t>5/18/2016</a:t>
             </a:fld>
             <a:endParaRPr lang="en-US">
               <a:latin typeface="Garamond" charset="0"/>
@@ -12471,7 +12471,7 @@
   <p:timing>
     <p:tnLst>
       <p:par>
-        <p:cTn xmlns:p14="http://schemas.microsoft.com/office/powerpoint/2010/main" id="1" dur="indefinite" restart="never" nodeType="tmRoot"/>
+        <p:cTn id="1" dur="indefinite" restart="never" nodeType="tmRoot"/>
       </p:par>
     </p:tnLst>
   </p:timing>
@@ -13019,7 +13019,7 @@
               <a:rPr lang="en-US" smtClean="0">
                 <a:latin typeface="Garamond" charset="0"/>
               </a:rPr>
-              <a:t>5/16/16</a:t>
+              <a:t>5/18/2016</a:t>
             </a:fld>
             <a:endParaRPr lang="en-US">
               <a:latin typeface="Garamond" charset="0"/>
@@ -13205,7 +13205,7 @@
   <p:timing>
     <p:tnLst>
       <p:par>
-        <p:cTn xmlns:p14="http://schemas.microsoft.com/office/powerpoint/2010/main" id="1" dur="indefinite" restart="never" nodeType="tmRoot"/>
+        <p:cTn id="1" dur="indefinite" restart="never" nodeType="tmRoot"/>
       </p:par>
     </p:tnLst>
   </p:timing>
@@ -13649,7 +13649,7 @@
               <a:rPr lang="en-US" smtClean="0">
                 <a:latin typeface="Garamond" charset="0"/>
               </a:rPr>
-              <a:t>5/16/16</a:t>
+              <a:t>5/18/2016</a:t>
             </a:fld>
             <a:endParaRPr lang="en-US">
               <a:latin typeface="Garamond" charset="0"/>
@@ -13835,7 +13835,7 @@
   <p:timing>
     <p:tnLst>
       <p:par>
-        <p:cTn xmlns:p14="http://schemas.microsoft.com/office/powerpoint/2010/main" id="1" dur="indefinite" restart="never" nodeType="tmRoot"/>
+        <p:cTn id="1" dur="indefinite" restart="never" nodeType="tmRoot"/>
       </p:par>
     </p:tnLst>
   </p:timing>
@@ -14526,7 +14526,7 @@
               <a:rPr lang="en-US" smtClean="0">
                 <a:latin typeface="Garamond" charset="0"/>
               </a:rPr>
-              <a:t>5/16/16</a:t>
+              <a:t>5/18/2016</a:t>
             </a:fld>
             <a:endParaRPr lang="en-US">
               <a:latin typeface="Garamond" charset="0"/>
@@ -14717,7 +14717,7 @@
   <p:timing>
     <p:tnLst>
       <p:par>
-        <p:cTn xmlns:p14="http://schemas.microsoft.com/office/powerpoint/2010/main" id="1" dur="indefinite" restart="never" nodeType="tmRoot"/>
+        <p:cTn id="1" dur="indefinite" restart="never" nodeType="tmRoot"/>
       </p:par>
     </p:tnLst>
   </p:timing>
@@ -15194,7 +15194,7 @@
               <a:rPr lang="en-US" smtClean="0">
                 <a:latin typeface="Garamond" charset="0"/>
               </a:rPr>
-              <a:t>5/16/16</a:t>
+              <a:t>5/18/2016</a:t>
             </a:fld>
             <a:endParaRPr lang="en-US">
               <a:latin typeface="Garamond" charset="0"/>
@@ -15385,7 +15385,7 @@
   <p:timing>
     <p:tnLst>
       <p:par>
-        <p:cTn xmlns:p14="http://schemas.microsoft.com/office/powerpoint/2010/main" id="1" dur="indefinite" restart="never" nodeType="tmRoot"/>
+        <p:cTn id="1" dur="indefinite" restart="never" nodeType="tmRoot"/>
       </p:par>
     </p:tnLst>
   </p:timing>
@@ -15880,7 +15880,7 @@
               <a:rPr lang="en-US" smtClean="0">
                 <a:latin typeface="Garamond" charset="0"/>
               </a:rPr>
-              <a:t>5/16/16</a:t>
+              <a:t>5/18/2016</a:t>
             </a:fld>
             <a:endParaRPr lang="en-US">
               <a:latin typeface="Garamond" charset="0"/>
@@ -16071,7 +16071,7 @@
   <p:timing>
     <p:tnLst>
       <p:par>
-        <p:cTn xmlns:p14="http://schemas.microsoft.com/office/powerpoint/2010/main" id="1" dur="indefinite" restart="never" nodeType="tmRoot"/>
+        <p:cTn id="1" dur="indefinite" restart="never" nodeType="tmRoot"/>
       </p:par>
     </p:tnLst>
   </p:timing>
@@ -16507,7 +16507,7 @@
               <a:rPr lang="en-US" smtClean="0">
                 <a:latin typeface="Garamond" charset="0"/>
               </a:rPr>
-              <a:t>5/16/16</a:t>
+              <a:t>5/18/2016</a:t>
             </a:fld>
             <a:endParaRPr lang="en-US">
               <a:latin typeface="Garamond" charset="0"/>
@@ -16698,7 +16698,7 @@
   <p:timing>
     <p:tnLst>
       <p:par>
-        <p:cTn xmlns:p14="http://schemas.microsoft.com/office/powerpoint/2010/main" id="1" dur="indefinite" restart="never" nodeType="tmRoot"/>
+        <p:cTn id="1" dur="indefinite" restart="never" nodeType="tmRoot"/>
       </p:par>
     </p:tnLst>
   </p:timing>
@@ -16763,7 +16763,7 @@
         </p:spPr>
         <p:txBody>
           <a:bodyPr>
-            <a:normAutofit fontScale="92500" lnSpcReduction="20000"/>
+            <a:normAutofit fontScale="77500" lnSpcReduction="20000"/>
           </a:bodyPr>
           <a:lstStyle/>
           <a:p>
@@ -16837,8 +16837,24 @@
             <a:pPr lvl="1"/>
             <a:r>
               <a:rPr lang="en-US" dirty="0" smtClean="0"/>
+              <a:t>Basic program structure</a:t>
+            </a:r>
+          </a:p>
+          <a:p>
+            <a:pPr lvl="1"/>
+            <a:r>
+              <a:rPr lang="en-US" smtClean="0"/>
+              <a:t>Data types</a:t>
+            </a:r>
+            <a:endParaRPr lang="en-US" smtClean="0"/>
+          </a:p>
+          <a:p>
+            <a:pPr lvl="1"/>
+            <a:r>
+              <a:rPr lang="en-US" dirty="0" smtClean="0"/>
               <a:t>Variables</a:t>
             </a:r>
+            <a:endParaRPr lang="en-US" dirty="0" smtClean="0"/>
           </a:p>
           <a:p>
             <a:r>
@@ -17018,7 +17034,7 @@
           <a:p>
             <a:fld id="{BFA0A649-8FED-CA44-939E-DA06783CA178}" type="datetime1">
               <a:rPr lang="en-US" smtClean="0"/>
-              <a:t>5/16/16</a:t>
+              <a:t>5/18/2016</a:t>
             </a:fld>
             <a:endParaRPr lang="en-US"/>
           </a:p>
@@ -17194,7 +17210,7 @@
   <p:timing>
     <p:tnLst>
       <p:par>
-        <p:cTn xmlns:p14="http://schemas.microsoft.com/office/powerpoint/2010/main" id="1" dur="indefinite" restart="never" nodeType="tmRoot"/>
+        <p:cTn id="1" dur="indefinite" restart="never" nodeType="tmRoot"/>
       </p:par>
     </p:tnLst>
   </p:timing>
@@ -17422,7 +17438,7 @@
               <a:rPr lang="en-US" smtClean="0">
                 <a:latin typeface="Garamond" charset="0"/>
               </a:rPr>
-              <a:t>5/16/16</a:t>
+              <a:t>5/18/2016</a:t>
             </a:fld>
             <a:endParaRPr lang="en-US">
               <a:latin typeface="Garamond" charset="0"/>
@@ -17613,7 +17629,7 @@
   <p:timing>
     <p:tnLst>
       <p:par>
-        <p:cTn xmlns:p14="http://schemas.microsoft.com/office/powerpoint/2010/main" id="1" dur="indefinite" restart="never" nodeType="tmRoot"/>
+        <p:cTn id="1" dur="indefinite" restart="never" nodeType="tmRoot"/>
       </p:par>
     </p:tnLst>
   </p:timing>
@@ -17831,14 +17847,14 @@
             <a:noFill/>
           </a:ln>
           <a:extLst>
-            <a:ext uri="{909E8E84-426E-40dd-AFC4-6F175D3DCCD1}">
+            <a:ext uri="{909E8E84-426E-40DD-AFC4-6F175D3DCCD1}">
               <a14:hiddenFill xmlns:a14="http://schemas.microsoft.com/office/drawing/2010/main">
                 <a:solidFill>
                   <a:srgbClr val="FFFFFF"/>
                 </a:solidFill>
               </a14:hiddenFill>
             </a:ext>
-            <a:ext uri="{91240B29-F687-4f45-9708-019B960494DF}">
+            <a:ext uri="{91240B29-F687-4F45-9708-019B960494DF}">
               <a14:hiddenLine xmlns:a14="http://schemas.microsoft.com/office/drawing/2010/main" w="9525">
                 <a:solidFill>
                   <a:srgbClr val="000000"/>
@@ -18014,7 +18030,7 @@
             <a:tailEnd/>
           </a:ln>
           <a:extLst>
-            <a:ext uri="{909E8E84-426E-40dd-AFC4-6F175D3DCCD1}">
+            <a:ext uri="{909E8E84-426E-40DD-AFC4-6F175D3DCCD1}">
               <a14:hiddenFill xmlns:a14="http://schemas.microsoft.com/office/drawing/2010/main">
                 <a:solidFill>
                   <a:srgbClr val="FFFFFF"/>
@@ -18060,7 +18076,7 @@
             <a:tailEnd/>
           </a:ln>
           <a:extLst>
-            <a:ext uri="{909E8E84-426E-40dd-AFC4-6F175D3DCCD1}">
+            <a:ext uri="{909E8E84-426E-40DD-AFC4-6F175D3DCCD1}">
               <a14:hiddenFill xmlns:a14="http://schemas.microsoft.com/office/drawing/2010/main">
                 <a:solidFill>
                   <a:srgbClr val="FFFFFF"/>
@@ -18098,14 +18114,14 @@
             <a:noFill/>
           </a:ln>
           <a:extLst>
-            <a:ext uri="{909E8E84-426E-40dd-AFC4-6F175D3DCCD1}">
+            <a:ext uri="{909E8E84-426E-40DD-AFC4-6F175D3DCCD1}">
               <a14:hiddenFill xmlns:a14="http://schemas.microsoft.com/office/drawing/2010/main">
                 <a:solidFill>
                   <a:srgbClr val="FFFFFF"/>
                 </a:solidFill>
               </a14:hiddenFill>
             </a:ext>
-            <a:ext uri="{91240B29-F687-4f45-9708-019B960494DF}">
+            <a:ext uri="{91240B29-F687-4F45-9708-019B960494DF}">
               <a14:hiddenLine xmlns:a14="http://schemas.microsoft.com/office/drawing/2010/main" w="9525">
                 <a:solidFill>
                   <a:srgbClr val="000000"/>
@@ -18238,14 +18254,14 @@
             <a:noFill/>
           </a:ln>
           <a:extLst>
-            <a:ext uri="{909E8E84-426E-40dd-AFC4-6F175D3DCCD1}">
+            <a:ext uri="{909E8E84-426E-40DD-AFC4-6F175D3DCCD1}">
               <a14:hiddenFill xmlns:a14="http://schemas.microsoft.com/office/drawing/2010/main">
                 <a:solidFill>
                   <a:srgbClr val="FFFFFF"/>
                 </a:solidFill>
               </a14:hiddenFill>
             </a:ext>
-            <a:ext uri="{91240B29-F687-4f45-9708-019B960494DF}">
+            <a:ext uri="{91240B29-F687-4F45-9708-019B960494DF}">
               <a14:hiddenLine xmlns:a14="http://schemas.microsoft.com/office/drawing/2010/main" w="9525">
                 <a:solidFill>
                   <a:srgbClr val="000000"/>
@@ -18378,14 +18394,14 @@
             <a:noFill/>
           </a:ln>
           <a:extLst>
-            <a:ext uri="{909E8E84-426E-40dd-AFC4-6F175D3DCCD1}">
+            <a:ext uri="{909E8E84-426E-40DD-AFC4-6F175D3DCCD1}">
               <a14:hiddenFill xmlns:a14="http://schemas.microsoft.com/office/drawing/2010/main">
                 <a:solidFill>
                   <a:srgbClr val="FFFFFF"/>
                 </a:solidFill>
               </a14:hiddenFill>
             </a:ext>
-            <a:ext uri="{91240B29-F687-4f45-9708-019B960494DF}">
+            <a:ext uri="{91240B29-F687-4F45-9708-019B960494DF}">
               <a14:hiddenLine xmlns:a14="http://schemas.microsoft.com/office/drawing/2010/main" w="9525">
                 <a:solidFill>
                   <a:srgbClr val="000000"/>
@@ -18525,14 +18541,14 @@
             <a:noFill/>
           </a:ln>
           <a:extLst>
-            <a:ext uri="{909E8E84-426E-40dd-AFC4-6F175D3DCCD1}">
+            <a:ext uri="{909E8E84-426E-40DD-AFC4-6F175D3DCCD1}">
               <a14:hiddenFill xmlns:a14="http://schemas.microsoft.com/office/drawing/2010/main">
                 <a:solidFill>
                   <a:srgbClr val="FFFFFF"/>
                 </a:solidFill>
               </a14:hiddenFill>
             </a:ext>
-            <a:ext uri="{91240B29-F687-4f45-9708-019B960494DF}">
+            <a:ext uri="{91240B29-F687-4F45-9708-019B960494DF}">
               <a14:hiddenLine xmlns:a14="http://schemas.microsoft.com/office/drawing/2010/main" w="9525">
                 <a:solidFill>
                   <a:srgbClr val="000000"/>
@@ -18670,7 +18686,7 @@
             <a:tailEnd/>
           </a:ln>
           <a:extLst>
-            <a:ext uri="{909E8E84-426E-40dd-AFC4-6F175D3DCCD1}">
+            <a:ext uri="{909E8E84-426E-40DD-AFC4-6F175D3DCCD1}">
               <a14:hiddenFill xmlns:a14="http://schemas.microsoft.com/office/drawing/2010/main">
                 <a:noFill/>
               </a14:hiddenFill>
@@ -18759,7 +18775,7 @@
             <a:tailEnd/>
           </a:ln>
           <a:extLst>
-            <a:ext uri="{909E8E84-426E-40dd-AFC4-6F175D3DCCD1}">
+            <a:ext uri="{909E8E84-426E-40DD-AFC4-6F175D3DCCD1}">
               <a14:hiddenFill xmlns:a14="http://schemas.microsoft.com/office/drawing/2010/main">
                 <a:solidFill>
                   <a:srgbClr val="FFFFFF"/>
@@ -18799,14 +18815,14 @@
             <a:noFill/>
           </a:ln>
           <a:extLst>
-            <a:ext uri="{909E8E84-426E-40dd-AFC4-6F175D3DCCD1}">
+            <a:ext uri="{909E8E84-426E-40DD-AFC4-6F175D3DCCD1}">
               <a14:hiddenFill xmlns:a14="http://schemas.microsoft.com/office/drawing/2010/main">
                 <a:solidFill>
                   <a:srgbClr val="FFFFFF"/>
                 </a:solidFill>
               </a14:hiddenFill>
             </a:ext>
-            <a:ext uri="{91240B29-F687-4f45-9708-019B960494DF}">
+            <a:ext uri="{91240B29-F687-4F45-9708-019B960494DF}">
               <a14:hiddenLine xmlns:a14="http://schemas.microsoft.com/office/drawing/2010/main" w="9525">
                 <a:solidFill>
                   <a:srgbClr val="000000"/>
@@ -18946,14 +18962,14 @@
             <a:noFill/>
           </a:ln>
           <a:extLst>
-            <a:ext uri="{909E8E84-426E-40dd-AFC4-6F175D3DCCD1}">
+            <a:ext uri="{909E8E84-426E-40DD-AFC4-6F175D3DCCD1}">
               <a14:hiddenFill xmlns:a14="http://schemas.microsoft.com/office/drawing/2010/main">
                 <a:solidFill>
                   <a:srgbClr val="FFFFFF"/>
                 </a:solidFill>
               </a14:hiddenFill>
             </a:ext>
-            <a:ext uri="{91240B29-F687-4f45-9708-019B960494DF}">
+            <a:ext uri="{91240B29-F687-4F45-9708-019B960494DF}">
               <a14:hiddenLine xmlns:a14="http://schemas.microsoft.com/office/drawing/2010/main" w="9525">
                 <a:solidFill>
                   <a:srgbClr val="000000"/>
@@ -19091,7 +19107,7 @@
             <a:tailEnd/>
           </a:ln>
           <a:extLst>
-            <a:ext uri="{909E8E84-426E-40dd-AFC4-6F175D3DCCD1}">
+            <a:ext uri="{909E8E84-426E-40DD-AFC4-6F175D3DCCD1}">
               <a14:hiddenFill xmlns:a14="http://schemas.microsoft.com/office/drawing/2010/main">
                 <a:noFill/>
               </a14:hiddenFill>
@@ -19129,14 +19145,14 @@
             <a:noFill/>
           </a:ln>
           <a:extLst>
-            <a:ext uri="{909E8E84-426E-40dd-AFC4-6F175D3DCCD1}">
+            <a:ext uri="{909E8E84-426E-40DD-AFC4-6F175D3DCCD1}">
               <a14:hiddenFill xmlns:a14="http://schemas.microsoft.com/office/drawing/2010/main">
                 <a:solidFill>
                   <a:srgbClr val="FFFFFF"/>
                 </a:solidFill>
               </a14:hiddenFill>
             </a:ext>
-            <a:ext uri="{91240B29-F687-4f45-9708-019B960494DF}">
+            <a:ext uri="{91240B29-F687-4F45-9708-019B960494DF}">
               <a14:hiddenLine xmlns:a14="http://schemas.microsoft.com/office/drawing/2010/main" w="9525">
                 <a:solidFill>
                   <a:srgbClr val="000000"/>
@@ -19320,7 +19336,7 @@
             <a:tailEnd type="none" w="med" len="med"/>
           </a:ln>
           <a:extLst>
-            <a:ext uri="{909E8E84-426E-40dd-AFC4-6F175D3DCCD1}">
+            <a:ext uri="{909E8E84-426E-40DD-AFC4-6F175D3DCCD1}">
               <a14:hiddenFill xmlns:a14="http://schemas.microsoft.com/office/drawing/2010/main">
                 <a:solidFill>
                   <a:srgbClr val="FFFFFF"/>
@@ -19474,7 +19490,7 @@
               <a:rPr lang="en-US" smtClean="0">
                 <a:latin typeface="Garamond" charset="0"/>
               </a:rPr>
-              <a:t>5/16/16</a:t>
+              <a:t>5/18/2016</a:t>
             </a:fld>
             <a:endParaRPr lang="en-US">
               <a:latin typeface="Garamond" charset="0"/>
@@ -19521,7 +19537,7 @@
   <p:timing>
     <p:tnLst>
       <p:par>
-        <p:cTn xmlns:p14="http://schemas.microsoft.com/office/powerpoint/2010/main" id="1" dur="indefinite" restart="never" nodeType="tmRoot"/>
+        <p:cTn id="1" dur="indefinite" restart="never" nodeType="tmRoot"/>
       </p:par>
     </p:tnLst>
   </p:timing>
@@ -19739,14 +19755,14 @@
             <a:noFill/>
           </a:ln>
           <a:extLst>
-            <a:ext uri="{909E8E84-426E-40dd-AFC4-6F175D3DCCD1}">
+            <a:ext uri="{909E8E84-426E-40DD-AFC4-6F175D3DCCD1}">
               <a14:hiddenFill xmlns:a14="http://schemas.microsoft.com/office/drawing/2010/main">
                 <a:solidFill>
                   <a:srgbClr val="FFFFFF"/>
                 </a:solidFill>
               </a14:hiddenFill>
             </a:ext>
-            <a:ext uri="{91240B29-F687-4f45-9708-019B960494DF}">
+            <a:ext uri="{91240B29-F687-4F45-9708-019B960494DF}">
               <a14:hiddenLine xmlns:a14="http://schemas.microsoft.com/office/drawing/2010/main" w="9525">
                 <a:solidFill>
                   <a:srgbClr val="000000"/>
@@ -19908,14 +19924,14 @@
             <a:noFill/>
           </a:ln>
           <a:extLst>
-            <a:ext uri="{909E8E84-426E-40dd-AFC4-6F175D3DCCD1}">
+            <a:ext uri="{909E8E84-426E-40DD-AFC4-6F175D3DCCD1}">
               <a14:hiddenFill xmlns:a14="http://schemas.microsoft.com/office/drawing/2010/main">
                 <a:solidFill>
                   <a:srgbClr val="FFFFFF"/>
                 </a:solidFill>
               </a14:hiddenFill>
             </a:ext>
-            <a:ext uri="{91240B29-F687-4f45-9708-019B960494DF}">
+            <a:ext uri="{91240B29-F687-4F45-9708-019B960494DF}">
               <a14:hiddenLine xmlns:a14="http://schemas.microsoft.com/office/drawing/2010/main" w="9525">
                 <a:solidFill>
                   <a:srgbClr val="000000"/>
@@ -20128,7 +20144,7 @@
             <a:tailEnd/>
           </a:ln>
           <a:extLst>
-            <a:ext uri="{909E8E84-426E-40dd-AFC4-6F175D3DCCD1}">
+            <a:ext uri="{909E8E84-426E-40DD-AFC4-6F175D3DCCD1}">
               <a14:hiddenFill xmlns:a14="http://schemas.microsoft.com/office/drawing/2010/main">
                 <a:solidFill>
                   <a:srgbClr val="FFFFFF"/>
@@ -20282,7 +20298,7 @@
               <a:rPr lang="en-US" smtClean="0">
                 <a:latin typeface="Garamond" charset="0"/>
               </a:rPr>
-              <a:t>5/16/16</a:t>
+              <a:t>5/18/2016</a:t>
             </a:fld>
             <a:endParaRPr lang="en-US">
               <a:latin typeface="Garamond" charset="0"/>
@@ -20329,7 +20345,7 @@
   <p:timing>
     <p:tnLst>
       <p:par>
-        <p:cTn xmlns:p14="http://schemas.microsoft.com/office/powerpoint/2010/main" id="1" dur="indefinite" restart="never" nodeType="tmRoot"/>
+        <p:cTn id="1" dur="indefinite" restart="never" nodeType="tmRoot"/>
       </p:par>
     </p:tnLst>
   </p:timing>
@@ -20547,14 +20563,14 @@
             <a:noFill/>
           </a:ln>
           <a:extLst>
-            <a:ext uri="{909E8E84-426E-40dd-AFC4-6F175D3DCCD1}">
+            <a:ext uri="{909E8E84-426E-40DD-AFC4-6F175D3DCCD1}">
               <a14:hiddenFill xmlns:a14="http://schemas.microsoft.com/office/drawing/2010/main">
                 <a:solidFill>
                   <a:srgbClr val="FFFFFF"/>
                 </a:solidFill>
               </a14:hiddenFill>
             </a:ext>
-            <a:ext uri="{91240B29-F687-4f45-9708-019B960494DF}">
+            <a:ext uri="{91240B29-F687-4F45-9708-019B960494DF}">
               <a14:hiddenLine xmlns:a14="http://schemas.microsoft.com/office/drawing/2010/main" w="9525">
                 <a:solidFill>
                   <a:srgbClr val="000000"/>
@@ -20716,14 +20732,14 @@
             <a:noFill/>
           </a:ln>
           <a:extLst>
-            <a:ext uri="{909E8E84-426E-40dd-AFC4-6F175D3DCCD1}">
+            <a:ext uri="{909E8E84-426E-40DD-AFC4-6F175D3DCCD1}">
               <a14:hiddenFill xmlns:a14="http://schemas.microsoft.com/office/drawing/2010/main">
                 <a:solidFill>
                   <a:srgbClr val="FFFFFF"/>
                 </a:solidFill>
               </a14:hiddenFill>
             </a:ext>
-            <a:ext uri="{91240B29-F687-4f45-9708-019B960494DF}">
+            <a:ext uri="{91240B29-F687-4F45-9708-019B960494DF}">
               <a14:hiddenLine xmlns:a14="http://schemas.microsoft.com/office/drawing/2010/main" w="9525">
                 <a:solidFill>
                   <a:srgbClr val="000000"/>
@@ -20886,7 +20902,7 @@
             <a:tailEnd/>
           </a:ln>
           <a:extLst>
-            <a:ext uri="{909E8E84-426E-40dd-AFC4-6F175D3DCCD1}">
+            <a:ext uri="{909E8E84-426E-40DD-AFC4-6F175D3DCCD1}">
               <a14:hiddenFill xmlns:a14="http://schemas.microsoft.com/office/drawing/2010/main">
                 <a:solidFill>
                   <a:srgbClr val="FFFFFF"/>
@@ -20933,7 +20949,7 @@
             <a:tailEnd/>
           </a:ln>
           <a:extLst>
-            <a:ext uri="{909E8E84-426E-40dd-AFC4-6F175D3DCCD1}">
+            <a:ext uri="{909E8E84-426E-40DD-AFC4-6F175D3DCCD1}">
               <a14:hiddenFill xmlns:a14="http://schemas.microsoft.com/office/drawing/2010/main">
                 <a:solidFill>
                   <a:srgbClr val="FFFFFF"/>
@@ -21087,7 +21103,7 @@
               <a:rPr lang="en-US" smtClean="0">
                 <a:latin typeface="Garamond" charset="0"/>
               </a:rPr>
-              <a:t>5/16/16</a:t>
+              <a:t>5/18/2016</a:t>
             </a:fld>
             <a:endParaRPr lang="en-US">
               <a:latin typeface="Garamond" charset="0"/>
@@ -21134,7 +21150,7 @@
   <p:timing>
     <p:tnLst>
       <p:par>
-        <p:cTn xmlns:p14="http://schemas.microsoft.com/office/powerpoint/2010/main" id="1" dur="indefinite" restart="never" nodeType="tmRoot"/>
+        <p:cTn id="1" dur="indefinite" restart="never" nodeType="tmRoot"/>
       </p:par>
     </p:tnLst>
   </p:timing>
@@ -21352,14 +21368,14 @@
             <a:noFill/>
           </a:ln>
           <a:extLst>
-            <a:ext uri="{909E8E84-426E-40dd-AFC4-6F175D3DCCD1}">
+            <a:ext uri="{909E8E84-426E-40DD-AFC4-6F175D3DCCD1}">
               <a14:hiddenFill xmlns:a14="http://schemas.microsoft.com/office/drawing/2010/main">
                 <a:solidFill>
                   <a:srgbClr val="FFFFFF"/>
                 </a:solidFill>
               </a14:hiddenFill>
             </a:ext>
-            <a:ext uri="{91240B29-F687-4f45-9708-019B960494DF}">
+            <a:ext uri="{91240B29-F687-4F45-9708-019B960494DF}">
               <a14:hiddenLine xmlns:a14="http://schemas.microsoft.com/office/drawing/2010/main" w="9525">
                 <a:solidFill>
                   <a:srgbClr val="000000"/>
@@ -21521,14 +21537,14 @@
             <a:noFill/>
           </a:ln>
           <a:extLst>
-            <a:ext uri="{909E8E84-426E-40dd-AFC4-6F175D3DCCD1}">
+            <a:ext uri="{909E8E84-426E-40DD-AFC4-6F175D3DCCD1}">
               <a14:hiddenFill xmlns:a14="http://schemas.microsoft.com/office/drawing/2010/main">
                 <a:solidFill>
                   <a:srgbClr val="FFFFFF"/>
                 </a:solidFill>
               </a14:hiddenFill>
             </a:ext>
-            <a:ext uri="{91240B29-F687-4f45-9708-019B960494DF}">
+            <a:ext uri="{91240B29-F687-4F45-9708-019B960494DF}">
               <a14:hiddenLine xmlns:a14="http://schemas.microsoft.com/office/drawing/2010/main" w="9525">
                 <a:solidFill>
                   <a:srgbClr val="000000"/>
@@ -21731,7 +21747,7 @@
             <a:tailEnd/>
           </a:ln>
           <a:extLst>
-            <a:ext uri="{909E8E84-426E-40dd-AFC4-6F175D3DCCD1}">
+            <a:ext uri="{909E8E84-426E-40DD-AFC4-6F175D3DCCD1}">
               <a14:hiddenFill xmlns:a14="http://schemas.microsoft.com/office/drawing/2010/main">
                 <a:solidFill>
                   <a:srgbClr val="FFFFFF"/>
@@ -21885,7 +21901,7 @@
               <a:rPr lang="en-US" smtClean="0">
                 <a:latin typeface="Garamond" charset="0"/>
               </a:rPr>
-              <a:t>5/16/16</a:t>
+              <a:t>5/18/2016</a:t>
             </a:fld>
             <a:endParaRPr lang="en-US">
               <a:latin typeface="Garamond" charset="0"/>
@@ -21932,7 +21948,7 @@
   <p:timing>
     <p:tnLst>
       <p:par>
-        <p:cTn xmlns:p14="http://schemas.microsoft.com/office/powerpoint/2010/main" id="1" dur="indefinite" restart="never" nodeType="tmRoot"/>
+        <p:cTn id="1" dur="indefinite" restart="never" nodeType="tmRoot"/>
       </p:par>
     </p:tnLst>
   </p:timing>
@@ -22150,14 +22166,14 @@
             <a:noFill/>
           </a:ln>
           <a:extLst>
-            <a:ext uri="{909E8E84-426E-40dd-AFC4-6F175D3DCCD1}">
+            <a:ext uri="{909E8E84-426E-40DD-AFC4-6F175D3DCCD1}">
               <a14:hiddenFill xmlns:a14="http://schemas.microsoft.com/office/drawing/2010/main">
                 <a:solidFill>
                   <a:srgbClr val="FFFFFF"/>
                 </a:solidFill>
               </a14:hiddenFill>
             </a:ext>
-            <a:ext uri="{91240B29-F687-4f45-9708-019B960494DF}">
+            <a:ext uri="{91240B29-F687-4F45-9708-019B960494DF}">
               <a14:hiddenLine xmlns:a14="http://schemas.microsoft.com/office/drawing/2010/main" w="9525">
                 <a:solidFill>
                   <a:srgbClr val="000000"/>
@@ -22319,14 +22335,14 @@
             <a:noFill/>
           </a:ln>
           <a:extLst>
-            <a:ext uri="{909E8E84-426E-40dd-AFC4-6F175D3DCCD1}">
+            <a:ext uri="{909E8E84-426E-40DD-AFC4-6F175D3DCCD1}">
               <a14:hiddenFill xmlns:a14="http://schemas.microsoft.com/office/drawing/2010/main">
                 <a:solidFill>
                   <a:srgbClr val="FFFFFF"/>
                 </a:solidFill>
               </a14:hiddenFill>
             </a:ext>
-            <a:ext uri="{91240B29-F687-4f45-9708-019B960494DF}">
+            <a:ext uri="{91240B29-F687-4F45-9708-019B960494DF}">
               <a14:hiddenLine xmlns:a14="http://schemas.microsoft.com/office/drawing/2010/main" w="9525">
                 <a:solidFill>
                   <a:srgbClr val="000000"/>
@@ -22489,7 +22505,7 @@
             <a:tailEnd/>
           </a:ln>
           <a:extLst>
-            <a:ext uri="{909E8E84-426E-40dd-AFC4-6F175D3DCCD1}">
+            <a:ext uri="{909E8E84-426E-40DD-AFC4-6F175D3DCCD1}">
               <a14:hiddenFill xmlns:a14="http://schemas.microsoft.com/office/drawing/2010/main">
                 <a:solidFill>
                   <a:srgbClr val="FFFFFF"/>
@@ -22643,7 +22659,7 @@
               <a:rPr lang="en-US" smtClean="0">
                 <a:latin typeface="Garamond" charset="0"/>
               </a:rPr>
-              <a:t>5/16/16</a:t>
+              <a:t>5/18/2016</a:t>
             </a:fld>
             <a:endParaRPr lang="en-US">
               <a:latin typeface="Garamond" charset="0"/>
@@ -22690,7 +22706,7 @@
   <p:timing>
     <p:tnLst>
       <p:par>
-        <p:cTn xmlns:p14="http://schemas.microsoft.com/office/powerpoint/2010/main" id="1" dur="indefinite" restart="never" nodeType="tmRoot"/>
+        <p:cTn id="1" dur="indefinite" restart="never" nodeType="tmRoot"/>
       </p:par>
     </p:tnLst>
   </p:timing>
@@ -23315,7 +23331,7 @@
               <a:rPr lang="en-US" smtClean="0">
                 <a:latin typeface="Garamond" charset="0"/>
               </a:rPr>
-              <a:t>5/16/16</a:t>
+              <a:t>5/18/2016</a:t>
             </a:fld>
             <a:endParaRPr lang="en-US">
               <a:latin typeface="Garamond" charset="0"/>
@@ -23362,7 +23378,7 @@
   <p:timing>
     <p:tnLst>
       <p:par>
-        <p:cTn xmlns:p14="http://schemas.microsoft.com/office/powerpoint/2010/main" id="1" dur="indefinite" restart="never" nodeType="tmRoot"/>
+        <p:cTn id="1" dur="indefinite" restart="never" nodeType="tmRoot"/>
       </p:par>
     </p:tnLst>
   </p:timing>
@@ -23685,7 +23701,7 @@
               <a:rPr lang="en-US" smtClean="0">
                 <a:latin typeface="Garamond" charset="0"/>
               </a:rPr>
-              <a:t>5/16/16</a:t>
+              <a:t>5/18/2016</a:t>
             </a:fld>
             <a:endParaRPr lang="en-US">
               <a:latin typeface="Garamond" charset="0"/>
@@ -23876,7 +23892,7 @@
   <p:timing>
     <p:tnLst>
       <p:par>
-        <p:cTn xmlns:p14="http://schemas.microsoft.com/office/powerpoint/2010/main" id="1" dur="indefinite" restart="never" nodeType="tmRoot"/>
+        <p:cTn id="1" dur="indefinite" restart="never" nodeType="tmRoot"/>
       </p:par>
     </p:tnLst>
   </p:timing>
@@ -24094,14 +24110,14 @@
             <a:noFill/>
           </a:ln>
           <a:extLst>
-            <a:ext uri="{909E8E84-426E-40dd-AFC4-6F175D3DCCD1}">
+            <a:ext uri="{909E8E84-426E-40DD-AFC4-6F175D3DCCD1}">
               <a14:hiddenFill xmlns:a14="http://schemas.microsoft.com/office/drawing/2010/main">
                 <a:solidFill>
                   <a:srgbClr val="FFFFFF"/>
                 </a:solidFill>
               </a14:hiddenFill>
             </a:ext>
-            <a:ext uri="{91240B29-F687-4f45-9708-019B960494DF}">
+            <a:ext uri="{91240B29-F687-4F45-9708-019B960494DF}">
               <a14:hiddenLine xmlns:a14="http://schemas.microsoft.com/office/drawing/2010/main" w="9525">
                 <a:solidFill>
                   <a:srgbClr val="000000"/>
@@ -24280,14 +24296,14 @@
             <a:noFill/>
           </a:ln>
           <a:extLst>
-            <a:ext uri="{909E8E84-426E-40dd-AFC4-6F175D3DCCD1}">
+            <a:ext uri="{909E8E84-426E-40DD-AFC4-6F175D3DCCD1}">
               <a14:hiddenFill xmlns:a14="http://schemas.microsoft.com/office/drawing/2010/main">
                 <a:solidFill>
                   <a:srgbClr val="FFFFFF"/>
                 </a:solidFill>
               </a14:hiddenFill>
             </a:ext>
-            <a:ext uri="{91240B29-F687-4f45-9708-019B960494DF}">
+            <a:ext uri="{91240B29-F687-4F45-9708-019B960494DF}">
               <a14:hiddenLine xmlns:a14="http://schemas.microsoft.com/office/drawing/2010/main" w="9525">
                 <a:solidFill>
                   <a:srgbClr val="000000"/>
@@ -24549,7 +24565,7 @@
               <a:rPr lang="en-US" smtClean="0">
                 <a:latin typeface="Garamond" charset="0"/>
               </a:rPr>
-              <a:t>5/16/16</a:t>
+              <a:t>5/18/2016</a:t>
             </a:fld>
             <a:endParaRPr lang="en-US">
               <a:latin typeface="Garamond" charset="0"/>
@@ -24596,7 +24612,7 @@
   <p:timing>
     <p:tnLst>
       <p:par>
-        <p:cTn xmlns:p14="http://schemas.microsoft.com/office/powerpoint/2010/main" id="1" dur="indefinite" restart="never" nodeType="tmRoot"/>
+        <p:cTn id="1" dur="indefinite" restart="never" nodeType="tmRoot"/>
       </p:par>
     </p:tnLst>
   </p:timing>
@@ -24814,14 +24830,14 @@
             <a:noFill/>
           </a:ln>
           <a:extLst>
-            <a:ext uri="{909E8E84-426E-40dd-AFC4-6F175D3DCCD1}">
+            <a:ext uri="{909E8E84-426E-40DD-AFC4-6F175D3DCCD1}">
               <a14:hiddenFill xmlns:a14="http://schemas.microsoft.com/office/drawing/2010/main">
                 <a:solidFill>
                   <a:srgbClr val="FFFFFF"/>
                 </a:solidFill>
               </a14:hiddenFill>
             </a:ext>
-            <a:ext uri="{91240B29-F687-4f45-9708-019B960494DF}">
+            <a:ext uri="{91240B29-F687-4F45-9708-019B960494DF}">
               <a14:hiddenLine xmlns:a14="http://schemas.microsoft.com/office/drawing/2010/main" w="9525">
                 <a:solidFill>
                   <a:srgbClr val="000000"/>
@@ -25045,7 +25061,7 @@
             <a:tailEnd/>
           </a:ln>
           <a:extLst>
-            <a:ext uri="{909E8E84-426E-40dd-AFC4-6F175D3DCCD1}">
+            <a:ext uri="{909E8E84-426E-40DD-AFC4-6F175D3DCCD1}">
               <a14:hiddenFill xmlns:a14="http://schemas.microsoft.com/office/drawing/2010/main">
                 <a:solidFill>
                   <a:srgbClr val="FFFFFF"/>
@@ -25087,14 +25103,14 @@
             <a:noFill/>
           </a:ln>
           <a:extLst>
-            <a:ext uri="{909E8E84-426E-40dd-AFC4-6F175D3DCCD1}">
+            <a:ext uri="{909E8E84-426E-40DD-AFC4-6F175D3DCCD1}">
               <a14:hiddenFill xmlns:a14="http://schemas.microsoft.com/office/drawing/2010/main">
                 <a:solidFill>
                   <a:srgbClr val="FFFFFF"/>
                 </a:solidFill>
               </a14:hiddenFill>
             </a:ext>
-            <a:ext uri="{91240B29-F687-4f45-9708-019B960494DF}">
+            <a:ext uri="{91240B29-F687-4F45-9708-019B960494DF}">
               <a14:hiddenLine xmlns:a14="http://schemas.microsoft.com/office/drawing/2010/main" w="9525">
                 <a:solidFill>
                   <a:srgbClr val="000000"/>
@@ -25139,14 +25155,14 @@
             <a:noFill/>
           </a:ln>
           <a:extLst>
-            <a:ext uri="{909E8E84-426E-40dd-AFC4-6F175D3DCCD1}">
+            <a:ext uri="{909E8E84-426E-40DD-AFC4-6F175D3DCCD1}">
               <a14:hiddenFill xmlns:a14="http://schemas.microsoft.com/office/drawing/2010/main">
                 <a:solidFill>
                   <a:srgbClr val="FFFFFF"/>
                 </a:solidFill>
               </a14:hiddenFill>
             </a:ext>
-            <a:ext uri="{91240B29-F687-4f45-9708-019B960494DF}">
+            <a:ext uri="{91240B29-F687-4F45-9708-019B960494DF}">
               <a14:hiddenLine xmlns:a14="http://schemas.microsoft.com/office/drawing/2010/main" w="9525">
                 <a:solidFill>
                   <a:srgbClr val="000000"/>
@@ -25196,7 +25212,7 @@
             <a:tailEnd/>
           </a:ln>
           <a:extLst>
-            <a:ext uri="{909E8E84-426E-40dd-AFC4-6F175D3DCCD1}">
+            <a:ext uri="{909E8E84-426E-40DD-AFC4-6F175D3DCCD1}">
               <a14:hiddenFill xmlns:a14="http://schemas.microsoft.com/office/drawing/2010/main">
                 <a:solidFill>
                   <a:srgbClr val="FFFFFF"/>
@@ -25238,14 +25254,14 @@
             <a:noFill/>
           </a:ln>
           <a:extLst>
-            <a:ext uri="{909E8E84-426E-40dd-AFC4-6F175D3DCCD1}">
+            <a:ext uri="{909E8E84-426E-40DD-AFC4-6F175D3DCCD1}">
               <a14:hiddenFill xmlns:a14="http://schemas.microsoft.com/office/drawing/2010/main">
                 <a:solidFill>
                   <a:srgbClr val="FFFFFF"/>
                 </a:solidFill>
               </a14:hiddenFill>
             </a:ext>
-            <a:ext uri="{91240B29-F687-4f45-9708-019B960494DF}">
+            <a:ext uri="{91240B29-F687-4F45-9708-019B960494DF}">
               <a14:hiddenLine xmlns:a14="http://schemas.microsoft.com/office/drawing/2010/main" w="9525">
                 <a:solidFill>
                   <a:srgbClr val="000000"/>
@@ -25290,14 +25306,14 @@
             <a:noFill/>
           </a:ln>
           <a:extLst>
-            <a:ext uri="{909E8E84-426E-40dd-AFC4-6F175D3DCCD1}">
+            <a:ext uri="{909E8E84-426E-40DD-AFC4-6F175D3DCCD1}">
               <a14:hiddenFill xmlns:a14="http://schemas.microsoft.com/office/drawing/2010/main">
                 <a:solidFill>
                   <a:srgbClr val="FFFFFF"/>
                 </a:solidFill>
               </a14:hiddenFill>
             </a:ext>
-            <a:ext uri="{91240B29-F687-4f45-9708-019B960494DF}">
+            <a:ext uri="{91240B29-F687-4F45-9708-019B960494DF}">
               <a14:hiddenLine xmlns:a14="http://schemas.microsoft.com/office/drawing/2010/main" w="9525">
                 <a:solidFill>
                   <a:srgbClr val="000000"/>
@@ -25347,7 +25363,7 @@
             <a:tailEnd/>
           </a:ln>
           <a:extLst>
-            <a:ext uri="{909E8E84-426E-40dd-AFC4-6F175D3DCCD1}">
+            <a:ext uri="{909E8E84-426E-40DD-AFC4-6F175D3DCCD1}">
               <a14:hiddenFill xmlns:a14="http://schemas.microsoft.com/office/drawing/2010/main">
                 <a:solidFill>
                   <a:srgbClr val="FFFFFF"/>
@@ -25389,14 +25405,14 @@
             <a:noFill/>
           </a:ln>
           <a:extLst>
-            <a:ext uri="{909E8E84-426E-40dd-AFC4-6F175D3DCCD1}">
+            <a:ext uri="{909E8E84-426E-40DD-AFC4-6F175D3DCCD1}">
               <a14:hiddenFill xmlns:a14="http://schemas.microsoft.com/office/drawing/2010/main">
                 <a:solidFill>
                   <a:srgbClr val="FFFFFF"/>
                 </a:solidFill>
               </a14:hiddenFill>
             </a:ext>
-            <a:ext uri="{91240B29-F687-4f45-9708-019B960494DF}">
+            <a:ext uri="{91240B29-F687-4F45-9708-019B960494DF}">
               <a14:hiddenLine xmlns:a14="http://schemas.microsoft.com/office/drawing/2010/main" w="9525">
                 <a:solidFill>
                   <a:srgbClr val="000000"/>
@@ -25441,14 +25457,14 @@
             <a:noFill/>
           </a:ln>
           <a:extLst>
-            <a:ext uri="{909E8E84-426E-40dd-AFC4-6F175D3DCCD1}">
+            <a:ext uri="{909E8E84-426E-40DD-AFC4-6F175D3DCCD1}">
               <a14:hiddenFill xmlns:a14="http://schemas.microsoft.com/office/drawing/2010/main">
                 <a:solidFill>
                   <a:srgbClr val="FFFFFF"/>
                 </a:solidFill>
               </a14:hiddenFill>
             </a:ext>
-            <a:ext uri="{91240B29-F687-4f45-9708-019B960494DF}">
+            <a:ext uri="{91240B29-F687-4F45-9708-019B960494DF}">
               <a14:hiddenLine xmlns:a14="http://schemas.microsoft.com/office/drawing/2010/main" w="9525">
                 <a:solidFill>
                   <a:srgbClr val="000000"/>
@@ -25498,7 +25514,7 @@
             <a:tailEnd/>
           </a:ln>
           <a:extLst>
-            <a:ext uri="{909E8E84-426E-40dd-AFC4-6F175D3DCCD1}">
+            <a:ext uri="{909E8E84-426E-40DD-AFC4-6F175D3DCCD1}">
               <a14:hiddenFill xmlns:a14="http://schemas.microsoft.com/office/drawing/2010/main">
                 <a:solidFill>
                   <a:srgbClr val="FFFFFF"/>
@@ -25540,14 +25556,14 @@
             <a:noFill/>
           </a:ln>
           <a:extLst>
-            <a:ext uri="{909E8E84-426E-40dd-AFC4-6F175D3DCCD1}">
+            <a:ext uri="{909E8E84-426E-40DD-AFC4-6F175D3DCCD1}">
               <a14:hiddenFill xmlns:a14="http://schemas.microsoft.com/office/drawing/2010/main">
                 <a:solidFill>
                   <a:srgbClr val="FFFFFF"/>
                 </a:solidFill>
               </a14:hiddenFill>
             </a:ext>
-            <a:ext uri="{91240B29-F687-4f45-9708-019B960494DF}">
+            <a:ext uri="{91240B29-F687-4F45-9708-019B960494DF}">
               <a14:hiddenLine xmlns:a14="http://schemas.microsoft.com/office/drawing/2010/main" w="9525">
                 <a:solidFill>
                   <a:srgbClr val="000000"/>
@@ -25592,14 +25608,14 @@
             <a:noFill/>
           </a:ln>
           <a:extLst>
-            <a:ext uri="{909E8E84-426E-40dd-AFC4-6F175D3DCCD1}">
+            <a:ext uri="{909E8E84-426E-40DD-AFC4-6F175D3DCCD1}">
               <a14:hiddenFill xmlns:a14="http://schemas.microsoft.com/office/drawing/2010/main">
                 <a:solidFill>
                   <a:srgbClr val="FFFFFF"/>
                 </a:solidFill>
               </a14:hiddenFill>
             </a:ext>
-            <a:ext uri="{91240B29-F687-4f45-9708-019B960494DF}">
+            <a:ext uri="{91240B29-F687-4F45-9708-019B960494DF}">
               <a14:hiddenLine xmlns:a14="http://schemas.microsoft.com/office/drawing/2010/main" w="9525">
                 <a:solidFill>
                   <a:srgbClr val="000000"/>
@@ -25649,7 +25665,7 @@
             <a:tailEnd type="triangle" w="med" len="med"/>
           </a:ln>
           <a:extLst>
-            <a:ext uri="{909E8E84-426E-40dd-AFC4-6F175D3DCCD1}">
+            <a:ext uri="{909E8E84-426E-40DD-AFC4-6F175D3DCCD1}">
               <a14:hiddenFill xmlns:a14="http://schemas.microsoft.com/office/drawing/2010/main">
                 <a:noFill/>
               </a14:hiddenFill>
@@ -25690,7 +25706,7 @@
             <a:tailEnd type="triangle" w="med" len="med"/>
           </a:ln>
           <a:extLst>
-            <a:ext uri="{909E8E84-426E-40dd-AFC4-6F175D3DCCD1}">
+            <a:ext uri="{909E8E84-426E-40DD-AFC4-6F175D3DCCD1}">
               <a14:hiddenFill xmlns:a14="http://schemas.microsoft.com/office/drawing/2010/main">
                 <a:noFill/>
               </a14:hiddenFill>
@@ -25731,7 +25747,7 @@
             <a:tailEnd type="triangle" w="med" len="med"/>
           </a:ln>
           <a:extLst>
-            <a:ext uri="{909E8E84-426E-40dd-AFC4-6F175D3DCCD1}">
+            <a:ext uri="{909E8E84-426E-40DD-AFC4-6F175D3DCCD1}">
               <a14:hiddenFill xmlns:a14="http://schemas.microsoft.com/office/drawing/2010/main">
                 <a:noFill/>
               </a14:hiddenFill>
@@ -25772,7 +25788,7 @@
             <a:tailEnd type="triangle" w="med" len="med"/>
           </a:ln>
           <a:extLst>
-            <a:ext uri="{909E8E84-426E-40dd-AFC4-6F175D3DCCD1}">
+            <a:ext uri="{909E8E84-426E-40DD-AFC4-6F175D3DCCD1}">
               <a14:hiddenFill xmlns:a14="http://schemas.microsoft.com/office/drawing/2010/main">
                 <a:noFill/>
               </a14:hiddenFill>
@@ -25958,7 +25974,7 @@
               <a:rPr lang="en-US" smtClean="0">
                 <a:latin typeface="Garamond" charset="0"/>
               </a:rPr>
-              <a:t>5/16/16</a:t>
+              <a:t>5/18/2016</a:t>
             </a:fld>
             <a:endParaRPr lang="en-US">
               <a:latin typeface="Garamond" charset="0"/>
@@ -26005,7 +26021,7 @@
   <p:timing>
     <p:tnLst>
       <p:par>
-        <p:cTn xmlns:p14="http://schemas.microsoft.com/office/powerpoint/2010/main" id="1" dur="indefinite" restart="never" nodeType="tmRoot"/>
+        <p:cTn id="1" dur="indefinite" restart="never" nodeType="tmRoot"/>
       </p:par>
     </p:tnLst>
   </p:timing>
@@ -26547,7 +26563,7 @@
               <a:rPr lang="en-US" smtClean="0">
                 <a:latin typeface="Garamond" charset="0"/>
               </a:rPr>
-              <a:t>5/16/16</a:t>
+              <a:t>5/18/2016</a:t>
             </a:fld>
             <a:endParaRPr lang="en-US">
               <a:latin typeface="Garamond" charset="0"/>
@@ -26738,7 +26754,7 @@
   <p:timing>
     <p:tnLst>
       <p:par>
-        <p:cTn xmlns:p14="http://schemas.microsoft.com/office/powerpoint/2010/main" id="1" dur="indefinite" restart="never" nodeType="tmRoot"/>
+        <p:cTn id="1" dur="indefinite" restart="never" nodeType="tmRoot"/>
       </p:par>
     </p:tnLst>
   </p:timing>
@@ -27379,7 +27395,7 @@
               <a:rPr lang="en-US" smtClean="0">
                 <a:latin typeface="Garamond" charset="0"/>
               </a:rPr>
-              <a:t>5/16/16</a:t>
+              <a:t>5/18/2016</a:t>
             </a:fld>
             <a:endParaRPr lang="en-US">
               <a:latin typeface="Garamond" charset="0"/>
@@ -27570,7 +27586,7 @@
   <p:timing>
     <p:tnLst>
       <p:par>
-        <p:cTn xmlns:p14="http://schemas.microsoft.com/office/powerpoint/2010/main" id="1" dur="indefinite" restart="never" nodeType="tmRoot"/>
+        <p:cTn id="1" dur="indefinite" restart="never" nodeType="tmRoot"/>
       </p:par>
     </p:tnLst>
   </p:timing>
@@ -28379,7 +28395,7 @@
               <a:rPr lang="en-US" smtClean="0">
                 <a:latin typeface="Garamond" charset="0"/>
               </a:rPr>
-              <a:t>5/16/16</a:t>
+              <a:t>5/18/2016</a:t>
             </a:fld>
             <a:endParaRPr lang="en-US">
               <a:latin typeface="Garamond" charset="0"/>
@@ -28570,7 +28586,7 @@
   <p:timing>
     <p:tnLst>
       <p:par>
-        <p:cTn xmlns:p14="http://schemas.microsoft.com/office/powerpoint/2010/main" id="1" dur="indefinite" restart="never" nodeType="tmRoot"/>
+        <p:cTn id="1" dur="indefinite" restart="never" nodeType="tmRoot"/>
       </p:par>
     </p:tnLst>
   </p:timing>
@@ -28998,7 +29014,7 @@
               <a:rPr lang="en-US" smtClean="0">
                 <a:latin typeface="Garamond" charset="0"/>
               </a:rPr>
-              <a:t>5/16/16</a:t>
+              <a:t>5/18/2016</a:t>
             </a:fld>
             <a:endParaRPr lang="en-US">
               <a:latin typeface="Garamond" charset="0"/>
@@ -29189,7 +29205,7 @@
   <p:timing>
     <p:tnLst>
       <p:par>
-        <p:cTn xmlns:p14="http://schemas.microsoft.com/office/powerpoint/2010/main" id="1" dur="indefinite" restart="never" nodeType="tmRoot"/>
+        <p:cTn id="1" dur="indefinite" restart="never" nodeType="tmRoot"/>
       </p:par>
     </p:tnLst>
   </p:timing>
@@ -29846,7 +29862,7 @@
               <a:rPr lang="en-US" smtClean="0">
                 <a:latin typeface="Garamond" charset="0"/>
               </a:rPr>
-              <a:t>5/16/16</a:t>
+              <a:t>5/18/2016</a:t>
             </a:fld>
             <a:endParaRPr lang="en-US">
               <a:latin typeface="Garamond" charset="0"/>
@@ -30037,7 +30053,7 @@
   <p:timing>
     <p:tnLst>
       <p:par>
-        <p:cTn xmlns:p14="http://schemas.microsoft.com/office/powerpoint/2010/main" id="1" dur="indefinite" restart="never" nodeType="tmRoot"/>
+        <p:cTn id="1" dur="indefinite" restart="never" nodeType="tmRoot"/>
       </p:par>
     </p:tnLst>
   </p:timing>
@@ -30255,14 +30271,14 @@
             <a:noFill/>
           </a:ln>
           <a:extLst>
-            <a:ext uri="{909E8E84-426E-40dd-AFC4-6F175D3DCCD1}">
+            <a:ext uri="{909E8E84-426E-40DD-AFC4-6F175D3DCCD1}">
               <a14:hiddenFill xmlns:a14="http://schemas.microsoft.com/office/drawing/2010/main">
                 <a:solidFill>
                   <a:srgbClr val="FFFFFF"/>
                 </a:solidFill>
               </a14:hiddenFill>
             </a:ext>
-            <a:ext uri="{91240B29-F687-4f45-9708-019B960494DF}">
+            <a:ext uri="{91240B29-F687-4F45-9708-019B960494DF}">
               <a14:hiddenLine xmlns:a14="http://schemas.microsoft.com/office/drawing/2010/main" w="9525">
                 <a:solidFill>
                   <a:srgbClr val="000000"/>
@@ -30649,7 +30665,7 @@
               <a:rPr lang="en-US" smtClean="0">
                 <a:latin typeface="Garamond" charset="0"/>
               </a:rPr>
-              <a:t>5/16/16</a:t>
+              <a:t>5/18/2016</a:t>
             </a:fld>
             <a:endParaRPr lang="en-US">
               <a:latin typeface="Garamond" charset="0"/>
@@ -30696,7 +30712,7 @@
   <p:timing>
     <p:tnLst>
       <p:par>
-        <p:cTn xmlns:p14="http://schemas.microsoft.com/office/powerpoint/2010/main" id="1" dur="indefinite" restart="never" nodeType="tmRoot"/>
+        <p:cTn id="1" dur="indefinite" restart="never" nodeType="tmRoot"/>
       </p:par>
     </p:tnLst>
   </p:timing>
@@ -30914,14 +30930,14 @@
             <a:noFill/>
           </a:ln>
           <a:extLst>
-            <a:ext uri="{909E8E84-426E-40dd-AFC4-6F175D3DCCD1}">
+            <a:ext uri="{909E8E84-426E-40DD-AFC4-6F175D3DCCD1}">
               <a14:hiddenFill xmlns:a14="http://schemas.microsoft.com/office/drawing/2010/main">
                 <a:solidFill>
                   <a:srgbClr val="FFFFFF"/>
                 </a:solidFill>
               </a14:hiddenFill>
             </a:ext>
-            <a:ext uri="{91240B29-F687-4f45-9708-019B960494DF}">
+            <a:ext uri="{91240B29-F687-4F45-9708-019B960494DF}">
               <a14:hiddenLine xmlns:a14="http://schemas.microsoft.com/office/drawing/2010/main" w="9525">
                 <a:solidFill>
                   <a:srgbClr val="000000"/>
@@ -31308,7 +31324,7 @@
               <a:rPr lang="en-US" smtClean="0">
                 <a:latin typeface="Garamond" charset="0"/>
               </a:rPr>
-              <a:t>5/16/16</a:t>
+              <a:t>5/18/2016</a:t>
             </a:fld>
             <a:endParaRPr lang="en-US">
               <a:latin typeface="Garamond" charset="0"/>
@@ -31355,7 +31371,7 @@
   <p:timing>
     <p:tnLst>
       <p:par>
-        <p:cTn xmlns:p14="http://schemas.microsoft.com/office/powerpoint/2010/main" id="1" dur="indefinite" restart="never" nodeType="tmRoot"/>
+        <p:cTn id="1" dur="indefinite" restart="never" nodeType="tmRoot"/>
       </p:par>
     </p:tnLst>
   </p:timing>
@@ -31643,7 +31659,7 @@
               <a:rPr lang="en-US" smtClean="0">
                 <a:latin typeface="Garamond" charset="0"/>
               </a:rPr>
-              <a:t>5/16/16</a:t>
+              <a:t>5/18/2016</a:t>
             </a:fld>
             <a:endParaRPr lang="en-US">
               <a:latin typeface="Garamond" charset="0"/>
@@ -31829,7 +31845,7 @@
   <p:timing>
     <p:tnLst>
       <p:par>
-        <p:cTn xmlns:p14="http://schemas.microsoft.com/office/powerpoint/2010/main" id="1" dur="indefinite" restart="never" nodeType="tmRoot"/>
+        <p:cTn id="1" dur="indefinite" restart="never" nodeType="tmRoot"/>
       </p:par>
     </p:tnLst>
   </p:timing>
@@ -31988,7 +32004,7 @@
               <a:rPr lang="en-US" smtClean="0">
                 <a:latin typeface="Garamond" charset="0"/>
               </a:rPr>
-              <a:t>5/16/16</a:t>
+              <a:t>5/18/2016</a:t>
             </a:fld>
             <a:endParaRPr lang="en-US">
               <a:latin typeface="Garamond" charset="0"/>
@@ -32417,7 +32433,7 @@
   <p:timing>
     <p:tnLst>
       <p:par>
-        <p:cTn xmlns:p14="http://schemas.microsoft.com/office/powerpoint/2010/main" id="1" dur="indefinite" restart="never" nodeType="tmRoot"/>
+        <p:cTn id="1" dur="indefinite" restart="never" nodeType="tmRoot"/>
       </p:par>
     </p:tnLst>
   </p:timing>
@@ -33800,7 +33816,7 @@
               <a:rPr lang="en-US" smtClean="0">
                 <a:latin typeface="Garamond" charset="0"/>
               </a:rPr>
-              <a:t>5/16/16</a:t>
+              <a:t>5/18/2016</a:t>
             </a:fld>
             <a:endParaRPr lang="en-US">
               <a:latin typeface="Garamond" charset="0"/>
@@ -33842,7 +33858,7 @@
   <p:timing>
     <p:tnLst>
       <p:par>
-        <p:cTn xmlns:p14="http://schemas.microsoft.com/office/powerpoint/2010/main" id="1" dur="indefinite" restart="never" nodeType="tmRoot"/>
+        <p:cTn id="1" dur="indefinite" restart="never" nodeType="tmRoot"/>
       </p:par>
     </p:tnLst>
   </p:timing>
@@ -34435,7 +34451,7 @@
               <a:rPr lang="en-US" smtClean="0">
                 <a:latin typeface="Garamond" charset="0"/>
               </a:rPr>
-              <a:t>5/16/16</a:t>
+              <a:t>5/18/2016</a:t>
             </a:fld>
             <a:endParaRPr lang="en-US">
               <a:latin typeface="Garamond" charset="0"/>
@@ -34477,7 +34493,7 @@
   <p:timing>
     <p:tnLst>
       <p:par>
-        <p:cTn xmlns:p14="http://schemas.microsoft.com/office/powerpoint/2010/main" id="1" dur="indefinite" restart="never" nodeType="tmRoot"/>
+        <p:cTn id="1" dur="indefinite" restart="never" nodeType="tmRoot"/>
       </p:par>
     </p:tnLst>
   </p:timing>
@@ -34798,7 +34814,7 @@
               <a:rPr lang="en-US" smtClean="0">
                 <a:latin typeface="Garamond" charset="0"/>
               </a:rPr>
-              <a:t>5/16/16</a:t>
+              <a:t>5/18/2016</a:t>
             </a:fld>
             <a:endParaRPr lang="en-US">
               <a:latin typeface="Garamond" charset="0"/>
@@ -34984,7 +35000,7 @@
   <p:timing>
     <p:tnLst>
       <p:par>
-        <p:cTn xmlns:p14="http://schemas.microsoft.com/office/powerpoint/2010/main" id="1" dur="indefinite" restart="never" nodeType="tmRoot"/>
+        <p:cTn id="1" dur="indefinite" restart="never" nodeType="tmRoot"/>
       </p:par>
     </p:tnLst>
   </p:timing>
@@ -35409,7 +35425,7 @@
               <a:rPr lang="en-US" smtClean="0">
                 <a:latin typeface="Garamond" charset="0"/>
               </a:rPr>
-              <a:t>5/16/16</a:t>
+              <a:t>5/18/2016</a:t>
             </a:fld>
             <a:endParaRPr lang="en-US">
               <a:latin typeface="Garamond" charset="0"/>
@@ -35595,7 +35611,7 @@
   <p:timing>
     <p:tnLst>
       <p:par>
-        <p:cTn xmlns:p14="http://schemas.microsoft.com/office/powerpoint/2010/main" id="1" dur="indefinite" restart="never" nodeType="tmRoot"/>
+        <p:cTn id="1" dur="indefinite" restart="never" nodeType="tmRoot"/>
       </p:par>
     </p:tnLst>
   </p:timing>
@@ -35861,7 +35877,7 @@
               <a:rPr lang="en-US" smtClean="0">
                 <a:latin typeface="Garamond" charset="0"/>
               </a:rPr>
-              <a:t>5/16/16</a:t>
+              <a:t>5/18/2016</a:t>
             </a:fld>
             <a:endParaRPr lang="en-US">
               <a:latin typeface="Garamond" charset="0"/>
@@ -36047,7 +36063,7 @@
   <p:timing>
     <p:tnLst>
       <p:par>
-        <p:cTn xmlns:p14="http://schemas.microsoft.com/office/powerpoint/2010/main" id="1" dur="indefinite" restart="never" nodeType="tmRoot"/>
+        <p:cTn id="1" dur="indefinite" restart="never" nodeType="tmRoot"/>
       </p:par>
     </p:tnLst>
   </p:timing>
